--- a/PPT/9th_class_imgeHistogram.pptx
+++ b/PPT/9th_class_imgeHistogram.pptx
@@ -5,31 +5,31 @@
     <p:sldMasterId id="2147483648" r:id="rId1"/>
   </p:sldMasterIdLst>
   <p:sldIdLst>
-    <p:sldId id="256" r:id="rId2"/>
-    <p:sldId id="257" r:id="rId3"/>
-    <p:sldId id="277" r:id="rId4"/>
-    <p:sldId id="323" r:id="rId5"/>
-    <p:sldId id="324" r:id="rId6"/>
-    <p:sldId id="325" r:id="rId7"/>
-    <p:sldId id="326" r:id="rId8"/>
-    <p:sldId id="327" r:id="rId9"/>
-    <p:sldId id="328" r:id="rId10"/>
-    <p:sldId id="329" r:id="rId11"/>
-    <p:sldId id="330" r:id="rId12"/>
-    <p:sldId id="331" r:id="rId13"/>
-    <p:sldId id="332" r:id="rId14"/>
-    <p:sldId id="333" r:id="rId15"/>
-    <p:sldId id="334" r:id="rId16"/>
-    <p:sldId id="335" r:id="rId17"/>
-    <p:sldId id="336" r:id="rId18"/>
-    <p:sldId id="337" r:id="rId19"/>
-    <p:sldId id="338" r:id="rId20"/>
-    <p:sldId id="339" r:id="rId21"/>
-    <p:sldId id="340" r:id="rId22"/>
-    <p:sldId id="341" r:id="rId23"/>
-    <p:sldId id="342" r:id="rId24"/>
-    <p:sldId id="343" r:id="rId25"/>
-    <p:sldId id="344" r:id="rId26"/>
+    <p:sldId id="256" r:id="rId3"/>
+    <p:sldId id="257" r:id="rId4"/>
+    <p:sldId id="277" r:id="rId5"/>
+    <p:sldId id="323" r:id="rId6"/>
+    <p:sldId id="324" r:id="rId7"/>
+    <p:sldId id="325" r:id="rId8"/>
+    <p:sldId id="326" r:id="rId9"/>
+    <p:sldId id="327" r:id="rId10"/>
+    <p:sldId id="328" r:id="rId11"/>
+    <p:sldId id="329" r:id="rId12"/>
+    <p:sldId id="330" r:id="rId13"/>
+    <p:sldId id="331" r:id="rId14"/>
+    <p:sldId id="332" r:id="rId15"/>
+    <p:sldId id="333" r:id="rId16"/>
+    <p:sldId id="334" r:id="rId17"/>
+    <p:sldId id="335" r:id="rId18"/>
+    <p:sldId id="336" r:id="rId19"/>
+    <p:sldId id="337" r:id="rId20"/>
+    <p:sldId id="338" r:id="rId21"/>
+    <p:sldId id="339" r:id="rId22"/>
+    <p:sldId id="340" r:id="rId23"/>
+    <p:sldId id="341" r:id="rId24"/>
+    <p:sldId id="342" r:id="rId25"/>
+    <p:sldId id="343" r:id="rId26"/>
+    <p:sldId id="344" r:id="rId27"/>
   </p:sldIdLst>
   <p:sldSz cx="12192000" cy="6858000"/>
   <p:notesSz cx="6858000" cy="9144000"/>
@@ -128,11 +128,6 @@
       </a:defRPr>
     </a:lvl9pPr>
   </p:defaultTextStyle>
-  <p:extLst>
-    <p:ext uri="{EFAFB233-063F-42B5-8137-9DF3F51BA10A}">
-      <p15:sldGuideLst xmlns:p15="http://schemas.microsoft.com/office/powerpoint/2012/main"/>
-    </p:ext>
-  </p:extLst>
 </p:presentation>
 </file>
 
@@ -181,6 +176,7 @@
               <a:rPr lang="zh-CN" altLang="en-US"/>
               <a:t>单击此处编辑母版标题样式</a:t>
             </a:r>
+            <a:endParaRPr lang="zh-CN" altLang="en-US"/>
           </a:p>
         </p:txBody>
       </p:sp>
@@ -245,6 +241,7 @@
               <a:rPr lang="zh-CN" altLang="en-US"/>
               <a:t>单击此处编辑母版副标题样式</a:t>
             </a:r>
+            <a:endParaRPr lang="zh-CN" altLang="en-US"/>
           </a:p>
         </p:txBody>
       </p:sp>
@@ -265,7 +262,6 @@
           <a:p>
             <a:fld id="{F49A4012-D87C-494A-B4E1-A14263E09E6D}" type="datetimeFigureOut">
               <a:rPr lang="zh-CN" altLang="en-US" smtClean="0"/>
-              <a:t>2020/10/28</a:t>
             </a:fld>
             <a:endParaRPr lang="zh-CN" altLang="en-US"/>
           </a:p>
@@ -307,7 +303,6 @@
           <a:p>
             <a:fld id="{E3881C6A-3E33-47E2-87D6-6B09158F33B1}" type="slidenum">
               <a:rPr lang="zh-CN" altLang="en-US" smtClean="0"/>
-              <a:t>‹#›</a:t>
             </a:fld>
             <a:endParaRPr lang="zh-CN" altLang="en-US"/>
           </a:p>
@@ -357,6 +352,7 @@
               <a:rPr lang="zh-CN" altLang="en-US"/>
               <a:t>单击此处编辑母版标题样式</a:t>
             </a:r>
+            <a:endParaRPr lang="zh-CN" altLang="en-US"/>
           </a:p>
         </p:txBody>
       </p:sp>
@@ -380,6 +376,7 @@
               <a:rPr lang="zh-CN" altLang="en-US"/>
               <a:t>单击此处编辑母版文本样式</a:t>
             </a:r>
+            <a:endParaRPr lang="zh-CN" altLang="en-US"/>
           </a:p>
           <a:p>
             <a:pPr lvl="1"/>
@@ -387,6 +384,7 @@
               <a:rPr lang="zh-CN" altLang="en-US"/>
               <a:t>二级</a:t>
             </a:r>
+            <a:endParaRPr lang="zh-CN" altLang="en-US"/>
           </a:p>
           <a:p>
             <a:pPr lvl="2"/>
@@ -394,6 +392,7 @@
               <a:rPr lang="zh-CN" altLang="en-US"/>
               <a:t>三级</a:t>
             </a:r>
+            <a:endParaRPr lang="zh-CN" altLang="en-US"/>
           </a:p>
           <a:p>
             <a:pPr lvl="3"/>
@@ -401,6 +400,7 @@
               <a:rPr lang="zh-CN" altLang="en-US"/>
               <a:t>四级</a:t>
             </a:r>
+            <a:endParaRPr lang="zh-CN" altLang="en-US"/>
           </a:p>
           <a:p>
             <a:pPr lvl="4"/>
@@ -408,6 +408,7 @@
               <a:rPr lang="zh-CN" altLang="en-US"/>
               <a:t>五级</a:t>
             </a:r>
+            <a:endParaRPr lang="zh-CN" altLang="en-US"/>
           </a:p>
         </p:txBody>
       </p:sp>
@@ -428,7 +429,6 @@
           <a:p>
             <a:fld id="{F49A4012-D87C-494A-B4E1-A14263E09E6D}" type="datetimeFigureOut">
               <a:rPr lang="zh-CN" altLang="en-US" smtClean="0"/>
-              <a:t>2020/10/28</a:t>
             </a:fld>
             <a:endParaRPr lang="zh-CN" altLang="en-US"/>
           </a:p>
@@ -470,7 +470,6 @@
           <a:p>
             <a:fld id="{E3881C6A-3E33-47E2-87D6-6B09158F33B1}" type="slidenum">
               <a:rPr lang="zh-CN" altLang="en-US" smtClean="0"/>
-              <a:t>‹#›</a:t>
             </a:fld>
             <a:endParaRPr lang="zh-CN" altLang="en-US"/>
           </a:p>
@@ -525,6 +524,7 @@
               <a:rPr lang="zh-CN" altLang="en-US"/>
               <a:t>单击此处编辑母版标题样式</a:t>
             </a:r>
+            <a:endParaRPr lang="zh-CN" altLang="en-US"/>
           </a:p>
         </p:txBody>
       </p:sp>
@@ -553,6 +553,7 @@
               <a:rPr lang="zh-CN" altLang="en-US"/>
               <a:t>单击此处编辑母版文本样式</a:t>
             </a:r>
+            <a:endParaRPr lang="zh-CN" altLang="en-US"/>
           </a:p>
           <a:p>
             <a:pPr lvl="1"/>
@@ -560,6 +561,7 @@
               <a:rPr lang="zh-CN" altLang="en-US"/>
               <a:t>二级</a:t>
             </a:r>
+            <a:endParaRPr lang="zh-CN" altLang="en-US"/>
           </a:p>
           <a:p>
             <a:pPr lvl="2"/>
@@ -567,6 +569,7 @@
               <a:rPr lang="zh-CN" altLang="en-US"/>
               <a:t>三级</a:t>
             </a:r>
+            <a:endParaRPr lang="zh-CN" altLang="en-US"/>
           </a:p>
           <a:p>
             <a:pPr lvl="3"/>
@@ -574,6 +577,7 @@
               <a:rPr lang="zh-CN" altLang="en-US"/>
               <a:t>四级</a:t>
             </a:r>
+            <a:endParaRPr lang="zh-CN" altLang="en-US"/>
           </a:p>
           <a:p>
             <a:pPr lvl="4"/>
@@ -581,6 +585,7 @@
               <a:rPr lang="zh-CN" altLang="en-US"/>
               <a:t>五级</a:t>
             </a:r>
+            <a:endParaRPr lang="zh-CN" altLang="en-US"/>
           </a:p>
         </p:txBody>
       </p:sp>
@@ -601,7 +606,6 @@
           <a:p>
             <a:fld id="{F49A4012-D87C-494A-B4E1-A14263E09E6D}" type="datetimeFigureOut">
               <a:rPr lang="zh-CN" altLang="en-US" smtClean="0"/>
-              <a:t>2020/10/28</a:t>
             </a:fld>
             <a:endParaRPr lang="zh-CN" altLang="en-US"/>
           </a:p>
@@ -643,7 +647,6 @@
           <a:p>
             <a:fld id="{E3881C6A-3E33-47E2-87D6-6B09158F33B1}" type="slidenum">
               <a:rPr lang="zh-CN" altLang="en-US" smtClean="0"/>
-              <a:t>‹#›</a:t>
             </a:fld>
             <a:endParaRPr lang="zh-CN" altLang="en-US"/>
           </a:p>
@@ -693,6 +696,7 @@
               <a:rPr lang="zh-CN" altLang="en-US"/>
               <a:t>单击此处编辑母版标题样式</a:t>
             </a:r>
+            <a:endParaRPr lang="zh-CN" altLang="en-US"/>
           </a:p>
         </p:txBody>
       </p:sp>
@@ -716,6 +720,7 @@
               <a:rPr lang="zh-CN" altLang="en-US"/>
               <a:t>单击此处编辑母版文本样式</a:t>
             </a:r>
+            <a:endParaRPr lang="zh-CN" altLang="en-US"/>
           </a:p>
           <a:p>
             <a:pPr lvl="1"/>
@@ -723,6 +728,7 @@
               <a:rPr lang="zh-CN" altLang="en-US"/>
               <a:t>二级</a:t>
             </a:r>
+            <a:endParaRPr lang="zh-CN" altLang="en-US"/>
           </a:p>
           <a:p>
             <a:pPr lvl="2"/>
@@ -730,6 +736,7 @@
               <a:rPr lang="zh-CN" altLang="en-US"/>
               <a:t>三级</a:t>
             </a:r>
+            <a:endParaRPr lang="zh-CN" altLang="en-US"/>
           </a:p>
           <a:p>
             <a:pPr lvl="3"/>
@@ -737,6 +744,7 @@
               <a:rPr lang="zh-CN" altLang="en-US"/>
               <a:t>四级</a:t>
             </a:r>
+            <a:endParaRPr lang="zh-CN" altLang="en-US"/>
           </a:p>
           <a:p>
             <a:pPr lvl="4"/>
@@ -744,6 +752,7 @@
               <a:rPr lang="zh-CN" altLang="en-US"/>
               <a:t>五级</a:t>
             </a:r>
+            <a:endParaRPr lang="zh-CN" altLang="en-US"/>
           </a:p>
         </p:txBody>
       </p:sp>
@@ -764,7 +773,6 @@
           <a:p>
             <a:fld id="{F49A4012-D87C-494A-B4E1-A14263E09E6D}" type="datetimeFigureOut">
               <a:rPr lang="zh-CN" altLang="en-US" smtClean="0"/>
-              <a:t>2020/10/28</a:t>
             </a:fld>
             <a:endParaRPr lang="zh-CN" altLang="en-US"/>
           </a:p>
@@ -806,7 +814,6 @@
           <a:p>
             <a:fld id="{E3881C6A-3E33-47E2-87D6-6B09158F33B1}" type="slidenum">
               <a:rPr lang="zh-CN" altLang="en-US" smtClean="0"/>
-              <a:t>‹#›</a:t>
             </a:fld>
             <a:endParaRPr lang="zh-CN" altLang="en-US"/>
           </a:p>
@@ -865,6 +872,7 @@
               <a:rPr lang="zh-CN" altLang="en-US"/>
               <a:t>单击此处编辑母版标题样式</a:t>
             </a:r>
+            <a:endParaRPr lang="zh-CN" altLang="en-US"/>
           </a:p>
         </p:txBody>
       </p:sp>
@@ -984,6 +992,7 @@
               <a:rPr lang="zh-CN" altLang="en-US"/>
               <a:t>单击此处编辑母版文本样式</a:t>
             </a:r>
+            <a:endParaRPr lang="zh-CN" altLang="en-US"/>
           </a:p>
         </p:txBody>
       </p:sp>
@@ -1004,7 +1013,6 @@
           <a:p>
             <a:fld id="{F49A4012-D87C-494A-B4E1-A14263E09E6D}" type="datetimeFigureOut">
               <a:rPr lang="zh-CN" altLang="en-US" smtClean="0"/>
-              <a:t>2020/10/28</a:t>
             </a:fld>
             <a:endParaRPr lang="zh-CN" altLang="en-US"/>
           </a:p>
@@ -1046,7 +1054,6 @@
           <a:p>
             <a:fld id="{E3881C6A-3E33-47E2-87D6-6B09158F33B1}" type="slidenum">
               <a:rPr lang="zh-CN" altLang="en-US" smtClean="0"/>
-              <a:t>‹#›</a:t>
             </a:fld>
             <a:endParaRPr lang="zh-CN" altLang="en-US"/>
           </a:p>
@@ -1096,6 +1103,7 @@
               <a:rPr lang="zh-CN" altLang="en-US"/>
               <a:t>单击此处编辑母版标题样式</a:t>
             </a:r>
+            <a:endParaRPr lang="zh-CN" altLang="en-US"/>
           </a:p>
         </p:txBody>
       </p:sp>
@@ -1124,6 +1132,7 @@
               <a:rPr lang="zh-CN" altLang="en-US"/>
               <a:t>单击此处编辑母版文本样式</a:t>
             </a:r>
+            <a:endParaRPr lang="zh-CN" altLang="en-US"/>
           </a:p>
           <a:p>
             <a:pPr lvl="1"/>
@@ -1131,6 +1140,7 @@
               <a:rPr lang="zh-CN" altLang="en-US"/>
               <a:t>二级</a:t>
             </a:r>
+            <a:endParaRPr lang="zh-CN" altLang="en-US"/>
           </a:p>
           <a:p>
             <a:pPr lvl="2"/>
@@ -1138,6 +1148,7 @@
               <a:rPr lang="zh-CN" altLang="en-US"/>
               <a:t>三级</a:t>
             </a:r>
+            <a:endParaRPr lang="zh-CN" altLang="en-US"/>
           </a:p>
           <a:p>
             <a:pPr lvl="3"/>
@@ -1145,6 +1156,7 @@
               <a:rPr lang="zh-CN" altLang="en-US"/>
               <a:t>四级</a:t>
             </a:r>
+            <a:endParaRPr lang="zh-CN" altLang="en-US"/>
           </a:p>
           <a:p>
             <a:pPr lvl="4"/>
@@ -1152,6 +1164,7 @@
               <a:rPr lang="zh-CN" altLang="en-US"/>
               <a:t>五级</a:t>
             </a:r>
+            <a:endParaRPr lang="zh-CN" altLang="en-US"/>
           </a:p>
         </p:txBody>
       </p:sp>
@@ -1180,6 +1193,7 @@
               <a:rPr lang="zh-CN" altLang="en-US"/>
               <a:t>单击此处编辑母版文本样式</a:t>
             </a:r>
+            <a:endParaRPr lang="zh-CN" altLang="en-US"/>
           </a:p>
           <a:p>
             <a:pPr lvl="1"/>
@@ -1187,6 +1201,7 @@
               <a:rPr lang="zh-CN" altLang="en-US"/>
               <a:t>二级</a:t>
             </a:r>
+            <a:endParaRPr lang="zh-CN" altLang="en-US"/>
           </a:p>
           <a:p>
             <a:pPr lvl="2"/>
@@ -1194,6 +1209,7 @@
               <a:rPr lang="zh-CN" altLang="en-US"/>
               <a:t>三级</a:t>
             </a:r>
+            <a:endParaRPr lang="zh-CN" altLang="en-US"/>
           </a:p>
           <a:p>
             <a:pPr lvl="3"/>
@@ -1201,6 +1217,7 @@
               <a:rPr lang="zh-CN" altLang="en-US"/>
               <a:t>四级</a:t>
             </a:r>
+            <a:endParaRPr lang="zh-CN" altLang="en-US"/>
           </a:p>
           <a:p>
             <a:pPr lvl="4"/>
@@ -1208,6 +1225,7 @@
               <a:rPr lang="zh-CN" altLang="en-US"/>
               <a:t>五级</a:t>
             </a:r>
+            <a:endParaRPr lang="zh-CN" altLang="en-US"/>
           </a:p>
         </p:txBody>
       </p:sp>
@@ -1228,7 +1246,6 @@
           <a:p>
             <a:fld id="{F49A4012-D87C-494A-B4E1-A14263E09E6D}" type="datetimeFigureOut">
               <a:rPr lang="zh-CN" altLang="en-US" smtClean="0"/>
-              <a:t>2020/10/28</a:t>
             </a:fld>
             <a:endParaRPr lang="zh-CN" altLang="en-US"/>
           </a:p>
@@ -1270,7 +1287,6 @@
           <a:p>
             <a:fld id="{E3881C6A-3E33-47E2-87D6-6B09158F33B1}" type="slidenum">
               <a:rPr lang="zh-CN" altLang="en-US" smtClean="0"/>
-              <a:t>‹#›</a:t>
             </a:fld>
             <a:endParaRPr lang="zh-CN" altLang="en-US"/>
           </a:p>
@@ -1325,6 +1341,7 @@
               <a:rPr lang="zh-CN" altLang="en-US"/>
               <a:t>单击此处编辑母版标题样式</a:t>
             </a:r>
+            <a:endParaRPr lang="zh-CN" altLang="en-US"/>
           </a:p>
         </p:txBody>
       </p:sp>
@@ -1390,6 +1407,7 @@
               <a:rPr lang="zh-CN" altLang="en-US"/>
               <a:t>单击此处编辑母版文本样式</a:t>
             </a:r>
+            <a:endParaRPr lang="zh-CN" altLang="en-US"/>
           </a:p>
         </p:txBody>
       </p:sp>
@@ -1418,6 +1436,7 @@
               <a:rPr lang="zh-CN" altLang="en-US"/>
               <a:t>单击此处编辑母版文本样式</a:t>
             </a:r>
+            <a:endParaRPr lang="zh-CN" altLang="en-US"/>
           </a:p>
           <a:p>
             <a:pPr lvl="1"/>
@@ -1425,6 +1444,7 @@
               <a:rPr lang="zh-CN" altLang="en-US"/>
               <a:t>二级</a:t>
             </a:r>
+            <a:endParaRPr lang="zh-CN" altLang="en-US"/>
           </a:p>
           <a:p>
             <a:pPr lvl="2"/>
@@ -1432,6 +1452,7 @@
               <a:rPr lang="zh-CN" altLang="en-US"/>
               <a:t>三级</a:t>
             </a:r>
+            <a:endParaRPr lang="zh-CN" altLang="en-US"/>
           </a:p>
           <a:p>
             <a:pPr lvl="3"/>
@@ -1439,6 +1460,7 @@
               <a:rPr lang="zh-CN" altLang="en-US"/>
               <a:t>四级</a:t>
             </a:r>
+            <a:endParaRPr lang="zh-CN" altLang="en-US"/>
           </a:p>
           <a:p>
             <a:pPr lvl="4"/>
@@ -1446,6 +1468,7 @@
               <a:rPr lang="zh-CN" altLang="en-US"/>
               <a:t>五级</a:t>
             </a:r>
+            <a:endParaRPr lang="zh-CN" altLang="en-US"/>
           </a:p>
         </p:txBody>
       </p:sp>
@@ -1511,6 +1534,7 @@
               <a:rPr lang="zh-CN" altLang="en-US"/>
               <a:t>单击此处编辑母版文本样式</a:t>
             </a:r>
+            <a:endParaRPr lang="zh-CN" altLang="en-US"/>
           </a:p>
         </p:txBody>
       </p:sp>
@@ -1539,6 +1563,7 @@
               <a:rPr lang="zh-CN" altLang="en-US"/>
               <a:t>单击此处编辑母版文本样式</a:t>
             </a:r>
+            <a:endParaRPr lang="zh-CN" altLang="en-US"/>
           </a:p>
           <a:p>
             <a:pPr lvl="1"/>
@@ -1546,6 +1571,7 @@
               <a:rPr lang="zh-CN" altLang="en-US"/>
               <a:t>二级</a:t>
             </a:r>
+            <a:endParaRPr lang="zh-CN" altLang="en-US"/>
           </a:p>
           <a:p>
             <a:pPr lvl="2"/>
@@ -1553,6 +1579,7 @@
               <a:rPr lang="zh-CN" altLang="en-US"/>
               <a:t>三级</a:t>
             </a:r>
+            <a:endParaRPr lang="zh-CN" altLang="en-US"/>
           </a:p>
           <a:p>
             <a:pPr lvl="3"/>
@@ -1560,6 +1587,7 @@
               <a:rPr lang="zh-CN" altLang="en-US"/>
               <a:t>四级</a:t>
             </a:r>
+            <a:endParaRPr lang="zh-CN" altLang="en-US"/>
           </a:p>
           <a:p>
             <a:pPr lvl="4"/>
@@ -1567,6 +1595,7 @@
               <a:rPr lang="zh-CN" altLang="en-US"/>
               <a:t>五级</a:t>
             </a:r>
+            <a:endParaRPr lang="zh-CN" altLang="en-US"/>
           </a:p>
         </p:txBody>
       </p:sp>
@@ -1587,7 +1616,6 @@
           <a:p>
             <a:fld id="{F49A4012-D87C-494A-B4E1-A14263E09E6D}" type="datetimeFigureOut">
               <a:rPr lang="zh-CN" altLang="en-US" smtClean="0"/>
-              <a:t>2020/10/28</a:t>
             </a:fld>
             <a:endParaRPr lang="zh-CN" altLang="en-US"/>
           </a:p>
@@ -1629,7 +1657,6 @@
           <a:p>
             <a:fld id="{E3881C6A-3E33-47E2-87D6-6B09158F33B1}" type="slidenum">
               <a:rPr lang="zh-CN" altLang="en-US" smtClean="0"/>
-              <a:t>‹#›</a:t>
             </a:fld>
             <a:endParaRPr lang="zh-CN" altLang="en-US"/>
           </a:p>
@@ -1679,6 +1706,7 @@
               <a:rPr lang="zh-CN" altLang="en-US"/>
               <a:t>单击此处编辑母版标题样式</a:t>
             </a:r>
+            <a:endParaRPr lang="zh-CN" altLang="en-US"/>
           </a:p>
         </p:txBody>
       </p:sp>
@@ -1699,7 +1727,6 @@
           <a:p>
             <a:fld id="{F49A4012-D87C-494A-B4E1-A14263E09E6D}" type="datetimeFigureOut">
               <a:rPr lang="zh-CN" altLang="en-US" smtClean="0"/>
-              <a:t>2020/10/28</a:t>
             </a:fld>
             <a:endParaRPr lang="zh-CN" altLang="en-US"/>
           </a:p>
@@ -1741,7 +1768,6 @@
           <a:p>
             <a:fld id="{E3881C6A-3E33-47E2-87D6-6B09158F33B1}" type="slidenum">
               <a:rPr lang="zh-CN" altLang="en-US" smtClean="0"/>
-              <a:t>‹#›</a:t>
             </a:fld>
             <a:endParaRPr lang="zh-CN" altLang="en-US"/>
           </a:p>
@@ -1789,7 +1815,6 @@
           <a:p>
             <a:fld id="{F49A4012-D87C-494A-B4E1-A14263E09E6D}" type="datetimeFigureOut">
               <a:rPr lang="zh-CN" altLang="en-US" smtClean="0"/>
-              <a:t>2020/10/28</a:t>
             </a:fld>
             <a:endParaRPr lang="zh-CN" altLang="en-US"/>
           </a:p>
@@ -1831,7 +1856,6 @@
           <a:p>
             <a:fld id="{E3881C6A-3E33-47E2-87D6-6B09158F33B1}" type="slidenum">
               <a:rPr lang="zh-CN" altLang="en-US" smtClean="0"/>
-              <a:t>‹#›</a:t>
             </a:fld>
             <a:endParaRPr lang="zh-CN" altLang="en-US"/>
           </a:p>
@@ -1890,6 +1914,7 @@
               <a:rPr lang="zh-CN" altLang="en-US"/>
               <a:t>单击此处编辑母版标题样式</a:t>
             </a:r>
+            <a:endParaRPr lang="zh-CN" altLang="en-US"/>
           </a:p>
         </p:txBody>
       </p:sp>
@@ -1946,6 +1971,7 @@
               <a:rPr lang="zh-CN" altLang="en-US"/>
               <a:t>单击此处编辑母版文本样式</a:t>
             </a:r>
+            <a:endParaRPr lang="zh-CN" altLang="en-US"/>
           </a:p>
           <a:p>
             <a:pPr lvl="1"/>
@@ -1953,6 +1979,7 @@
               <a:rPr lang="zh-CN" altLang="en-US"/>
               <a:t>二级</a:t>
             </a:r>
+            <a:endParaRPr lang="zh-CN" altLang="en-US"/>
           </a:p>
           <a:p>
             <a:pPr lvl="2"/>
@@ -1960,6 +1987,7 @@
               <a:rPr lang="zh-CN" altLang="en-US"/>
               <a:t>三级</a:t>
             </a:r>
+            <a:endParaRPr lang="zh-CN" altLang="en-US"/>
           </a:p>
           <a:p>
             <a:pPr lvl="3"/>
@@ -1967,6 +1995,7 @@
               <a:rPr lang="zh-CN" altLang="en-US"/>
               <a:t>四级</a:t>
             </a:r>
+            <a:endParaRPr lang="zh-CN" altLang="en-US"/>
           </a:p>
           <a:p>
             <a:pPr lvl="4"/>
@@ -1974,6 +2003,7 @@
               <a:rPr lang="zh-CN" altLang="en-US"/>
               <a:t>五级</a:t>
             </a:r>
+            <a:endParaRPr lang="zh-CN" altLang="en-US"/>
           </a:p>
         </p:txBody>
       </p:sp>
@@ -2039,6 +2069,7 @@
               <a:rPr lang="zh-CN" altLang="en-US"/>
               <a:t>单击此处编辑母版文本样式</a:t>
             </a:r>
+            <a:endParaRPr lang="zh-CN" altLang="en-US"/>
           </a:p>
         </p:txBody>
       </p:sp>
@@ -2059,7 +2090,6 @@
           <a:p>
             <a:fld id="{F49A4012-D87C-494A-B4E1-A14263E09E6D}" type="datetimeFigureOut">
               <a:rPr lang="zh-CN" altLang="en-US" smtClean="0"/>
-              <a:t>2020/10/28</a:t>
             </a:fld>
             <a:endParaRPr lang="zh-CN" altLang="en-US"/>
           </a:p>
@@ -2101,7 +2131,6 @@
           <a:p>
             <a:fld id="{E3881C6A-3E33-47E2-87D6-6B09158F33B1}" type="slidenum">
               <a:rPr lang="zh-CN" altLang="en-US" smtClean="0"/>
-              <a:t>‹#›</a:t>
             </a:fld>
             <a:endParaRPr lang="zh-CN" altLang="en-US"/>
           </a:p>
@@ -2160,6 +2189,7 @@
               <a:rPr lang="zh-CN" altLang="en-US"/>
               <a:t>单击此处编辑母版标题样式</a:t>
             </a:r>
+            <a:endParaRPr lang="zh-CN" altLang="en-US"/>
           </a:p>
         </p:txBody>
       </p:sp>
@@ -2286,6 +2316,7 @@
               <a:rPr lang="zh-CN" altLang="en-US"/>
               <a:t>单击此处编辑母版文本样式</a:t>
             </a:r>
+            <a:endParaRPr lang="zh-CN" altLang="en-US"/>
           </a:p>
         </p:txBody>
       </p:sp>
@@ -2306,7 +2337,6 @@
           <a:p>
             <a:fld id="{F49A4012-D87C-494A-B4E1-A14263E09E6D}" type="datetimeFigureOut">
               <a:rPr lang="zh-CN" altLang="en-US" smtClean="0"/>
-              <a:t>2020/10/28</a:t>
             </a:fld>
             <a:endParaRPr lang="zh-CN" altLang="en-US"/>
           </a:p>
@@ -2348,7 +2378,6 @@
           <a:p>
             <a:fld id="{E3881C6A-3E33-47E2-87D6-6B09158F33B1}" type="slidenum">
               <a:rPr lang="zh-CN" altLang="en-US" smtClean="0"/>
-              <a:t>‹#›</a:t>
             </a:fld>
             <a:endParaRPr lang="zh-CN" altLang="en-US"/>
           </a:p>
@@ -2413,6 +2442,7 @@
               <a:rPr lang="zh-CN" altLang="en-US"/>
               <a:t>单击此处编辑母版标题样式</a:t>
             </a:r>
+            <a:endParaRPr lang="zh-CN" altLang="en-US"/>
           </a:p>
         </p:txBody>
       </p:sp>
@@ -2446,6 +2476,7 @@
               <a:rPr lang="zh-CN" altLang="en-US"/>
               <a:t>单击此处编辑母版文本样式</a:t>
             </a:r>
+            <a:endParaRPr lang="zh-CN" altLang="en-US"/>
           </a:p>
           <a:p>
             <a:pPr lvl="1"/>
@@ -2453,6 +2484,7 @@
               <a:rPr lang="zh-CN" altLang="en-US"/>
               <a:t>二级</a:t>
             </a:r>
+            <a:endParaRPr lang="zh-CN" altLang="en-US"/>
           </a:p>
           <a:p>
             <a:pPr lvl="2"/>
@@ -2460,6 +2492,7 @@
               <a:rPr lang="zh-CN" altLang="en-US"/>
               <a:t>三级</a:t>
             </a:r>
+            <a:endParaRPr lang="zh-CN" altLang="en-US"/>
           </a:p>
           <a:p>
             <a:pPr lvl="3"/>
@@ -2467,6 +2500,7 @@
               <a:rPr lang="zh-CN" altLang="en-US"/>
               <a:t>四级</a:t>
             </a:r>
+            <a:endParaRPr lang="zh-CN" altLang="en-US"/>
           </a:p>
           <a:p>
             <a:pPr lvl="4"/>
@@ -2474,6 +2508,7 @@
               <a:rPr lang="zh-CN" altLang="en-US"/>
               <a:t>五级</a:t>
             </a:r>
+            <a:endParaRPr lang="zh-CN" altLang="en-US"/>
           </a:p>
         </p:txBody>
       </p:sp>
@@ -2512,7 +2547,6 @@
           <a:p>
             <a:fld id="{F49A4012-D87C-494A-B4E1-A14263E09E6D}" type="datetimeFigureOut">
               <a:rPr lang="zh-CN" altLang="en-US" smtClean="0"/>
-              <a:t>2020/10/28</a:t>
             </a:fld>
             <a:endParaRPr lang="zh-CN" altLang="en-US"/>
           </a:p>
@@ -2590,7 +2624,6 @@
           <a:p>
             <a:fld id="{E3881C6A-3E33-47E2-87D6-6B09158F33B1}" type="slidenum">
               <a:rPr lang="zh-CN" altLang="en-US" smtClean="0"/>
-              <a:t>‹#›</a:t>
             </a:fld>
             <a:endParaRPr lang="zh-CN" altLang="en-US"/>
           </a:p>
@@ -2948,7 +2981,7 @@
           <a:p>
             <a:r>
               <a:rPr lang="en-US" altLang="zh-CN" dirty="0"/>
-              <a:t>Image Histogram, </a:t>
+              <a:t>Image Histogram</a:t>
             </a:r>
             <a:endParaRPr lang="zh-CN" altLang="en-US" dirty="0"/>
           </a:p>
@@ -3557,13 +3590,7 @@
       </p:grpSpPr>
       <p:sp>
         <p:nvSpPr>
-          <p:cNvPr id="2" name="标题 1">
-            <a:extLst>
-              <a:ext uri="{FF2B5EF4-FFF2-40B4-BE49-F238E27FC236}">
-                <a16:creationId xmlns:a16="http://schemas.microsoft.com/office/drawing/2014/main" id="{37B10167-0063-4509-A8B6-001308026780}"/>
-              </a:ext>
-            </a:extLst>
-          </p:cNvPr>
+          <p:cNvPr id="2" name="标题 1"/>
           <p:cNvSpPr>
             <a:spLocks noGrp="1"/>
           </p:cNvSpPr>
@@ -3586,13 +3613,7 @@
       </p:sp>
       <p:sp>
         <p:nvSpPr>
-          <p:cNvPr id="3" name="内容占位符 2">
-            <a:extLst>
-              <a:ext uri="{FF2B5EF4-FFF2-40B4-BE49-F238E27FC236}">
-                <a16:creationId xmlns:a16="http://schemas.microsoft.com/office/drawing/2014/main" id="{A4322C81-BAD1-4672-9973-B7C7B0A7EF37}"/>
-              </a:ext>
-            </a:extLst>
-          </p:cNvPr>
+          <p:cNvPr id="3" name="内容占位符 2"/>
           <p:cNvSpPr>
             <a:spLocks noGrp="1"/>
           </p:cNvSpPr>
@@ -3608,44 +3629,42 @@
             <a:r>
               <a:rPr lang="en-US" altLang="zh-CN" b="0" i="0" dirty="0">
                 <a:effectLst/>
-                <a:latin typeface="Source Code Pro"/>
+                <a:ea typeface="+mn-lt"/>
               </a:rPr>
               <a:t>cv2.calcHist(images, channels, mask, </a:t>
             </a:r>
             <a:r>
               <a:rPr lang="en-US" altLang="zh-CN" b="0" i="0" dirty="0" err="1">
                 <a:effectLst/>
-                <a:latin typeface="Source Code Pro"/>
+                <a:ea typeface="+mn-lt"/>
               </a:rPr>
               <a:t>histSize</a:t>
             </a:r>
             <a:r>
               <a:rPr lang="en-US" altLang="zh-CN" b="0" i="0" dirty="0">
                 <a:effectLst/>
-                <a:latin typeface="Source Code Pro"/>
+                <a:ea typeface="+mn-lt"/>
               </a:rPr>
               <a:t>, ranges)</a:t>
             </a:r>
-            <a:endParaRPr lang="zh-CN" altLang="en-US" dirty="0"/>
+            <a:endParaRPr lang="zh-CN" altLang="en-US" dirty="0">
+              <a:ea typeface="+mn-lt"/>
+            </a:endParaRPr>
           </a:p>
         </p:txBody>
       </p:sp>
       <p:cxnSp>
         <p:nvCxnSpPr>
-          <p:cNvPr id="5" name="直接箭头连接符 4">
-            <a:extLst>
-              <a:ext uri="{FF2B5EF4-FFF2-40B4-BE49-F238E27FC236}">
-                <a16:creationId xmlns:a16="http://schemas.microsoft.com/office/drawing/2014/main" id="{E11A19F1-BC2F-493F-A5A6-983248900551}"/>
-              </a:ext>
-            </a:extLst>
-          </p:cNvPr>
-          <p:cNvCxnSpPr/>
+          <p:cNvPr id="5" name="直接箭头连接符 4"/>
+          <p:cNvCxnSpPr>
+            <a:endCxn id="6" idx="0"/>
+          </p:cNvCxnSpPr>
           <p:nvPr/>
         </p:nvCxnSpPr>
         <p:spPr>
           <a:xfrm flipH="1">
-            <a:off x="5717219" y="2219417"/>
-            <a:ext cx="378781" cy="559294"/>
+            <a:off x="4901565" y="2207260"/>
+            <a:ext cx="127635" cy="669290"/>
           </a:xfrm>
           <a:prstGeom prst="straightConnector1">
             <a:avLst/>
@@ -3671,19 +3690,13 @@
       </p:cxnSp>
       <p:sp>
         <p:nvSpPr>
-          <p:cNvPr id="6" name="文本框 5">
-            <a:extLst>
-              <a:ext uri="{FF2B5EF4-FFF2-40B4-BE49-F238E27FC236}">
-                <a16:creationId xmlns:a16="http://schemas.microsoft.com/office/drawing/2014/main" id="{0D6CD514-F572-4F6D-9A32-33BAD20D6CBC}"/>
-              </a:ext>
-            </a:extLst>
-          </p:cNvPr>
+          <p:cNvPr id="6" name="文本框 5"/>
           <p:cNvSpPr txBox="1"/>
           <p:nvPr/>
         </p:nvSpPr>
         <p:spPr>
           <a:xfrm>
-            <a:off x="5885895" y="2876365"/>
+            <a:off x="4114245" y="2876365"/>
             <a:ext cx="1574470" cy="369332"/>
           </a:xfrm>
           <a:prstGeom prst="rect">
@@ -3707,20 +3720,14 @@
       </p:sp>
       <p:cxnSp>
         <p:nvCxnSpPr>
-          <p:cNvPr id="8" name="直接箭头连接符 7">
-            <a:extLst>
-              <a:ext uri="{FF2B5EF4-FFF2-40B4-BE49-F238E27FC236}">
-                <a16:creationId xmlns:a16="http://schemas.microsoft.com/office/drawing/2014/main" id="{C163DA73-B2D2-42F5-96E1-968D804C45B2}"/>
-              </a:ext>
-            </a:extLst>
-          </p:cNvPr>
+          <p:cNvPr id="8" name="直接箭头连接符 7"/>
           <p:cNvCxnSpPr/>
           <p:nvPr/>
         </p:nvCxnSpPr>
         <p:spPr>
-          <a:xfrm flipH="1">
-            <a:off x="7705817" y="2219417"/>
-            <a:ext cx="62144" cy="1331651"/>
+          <a:xfrm>
+            <a:off x="6085205" y="2178685"/>
+            <a:ext cx="1620520" cy="1372235"/>
           </a:xfrm>
           <a:prstGeom prst="straightConnector1">
             <a:avLst/>
@@ -3746,13 +3753,7 @@
       </p:cxnSp>
       <p:sp>
         <p:nvSpPr>
-          <p:cNvPr id="9" name="文本框 8">
-            <a:extLst>
-              <a:ext uri="{FF2B5EF4-FFF2-40B4-BE49-F238E27FC236}">
-                <a16:creationId xmlns:a16="http://schemas.microsoft.com/office/drawing/2014/main" id="{20860F17-4A52-4DFE-8115-00BC34663EE2}"/>
-              </a:ext>
-            </a:extLst>
-          </p:cNvPr>
+          <p:cNvPr id="9" name="文本框 8"/>
           <p:cNvSpPr txBox="1"/>
           <p:nvPr/>
         </p:nvSpPr>
@@ -3782,20 +3783,14 @@
       </p:sp>
       <p:cxnSp>
         <p:nvCxnSpPr>
-          <p:cNvPr id="11" name="直接箭头连接符 10">
-            <a:extLst>
-              <a:ext uri="{FF2B5EF4-FFF2-40B4-BE49-F238E27FC236}">
-                <a16:creationId xmlns:a16="http://schemas.microsoft.com/office/drawing/2014/main" id="{E6E6ADBD-F2AD-4EB8-AFAD-B4EBBA6A8DB8}"/>
-              </a:ext>
-            </a:extLst>
-          </p:cNvPr>
+          <p:cNvPr id="11" name="直接箭头连接符 10"/>
           <p:cNvCxnSpPr/>
           <p:nvPr/>
         </p:nvCxnSpPr>
         <p:spPr>
           <a:xfrm>
-            <a:off x="9401452" y="2219417"/>
-            <a:ext cx="0" cy="559294"/>
+            <a:off x="7665085" y="2226945"/>
+            <a:ext cx="1124585" cy="736600"/>
           </a:xfrm>
           <a:prstGeom prst="straightConnector1">
             <a:avLst/>
@@ -3821,19 +3816,13 @@
       </p:cxnSp>
       <p:sp>
         <p:nvSpPr>
-          <p:cNvPr id="12" name="文本框 11">
-            <a:extLst>
-              <a:ext uri="{FF2B5EF4-FFF2-40B4-BE49-F238E27FC236}">
-                <a16:creationId xmlns:a16="http://schemas.microsoft.com/office/drawing/2014/main" id="{91962BFC-8856-4803-AA5C-9491618AE9A4}"/>
-              </a:ext>
-            </a:extLst>
-          </p:cNvPr>
+          <p:cNvPr id="12" name="文本框 11"/>
           <p:cNvSpPr txBox="1"/>
           <p:nvPr/>
         </p:nvSpPr>
         <p:spPr>
           <a:xfrm>
-            <a:off x="9312676" y="2885242"/>
+            <a:off x="8645926" y="2951917"/>
             <a:ext cx="590226" cy="369332"/>
           </a:xfrm>
           <a:prstGeom prst="rect">
@@ -3856,11 +3845,6 @@
         </p:txBody>
       </p:sp>
     </p:spTree>
-    <p:extLst>
-      <p:ext uri="{BB962C8B-B14F-4D97-AF65-F5344CB8AC3E}">
-        <p14:creationId xmlns:p14="http://schemas.microsoft.com/office/powerpoint/2010/main" val="4232538764"/>
-      </p:ext>
-    </p:extLst>
   </p:cSld>
   <p:clrMapOvr>
     <a:masterClrMapping/>
@@ -3887,13 +3871,7 @@
       </p:grpSpPr>
       <p:sp>
         <p:nvSpPr>
-          <p:cNvPr id="2" name="标题 1">
-            <a:extLst>
-              <a:ext uri="{FF2B5EF4-FFF2-40B4-BE49-F238E27FC236}">
-                <a16:creationId xmlns:a16="http://schemas.microsoft.com/office/drawing/2014/main" id="{1DA371BD-AAAA-4DDC-995B-03545A7FF8EB}"/>
-              </a:ext>
-            </a:extLst>
-          </p:cNvPr>
+          <p:cNvPr id="2" name="标题 1"/>
           <p:cNvSpPr>
             <a:spLocks noGrp="1"/>
           </p:cNvSpPr>
@@ -3916,13 +3894,7 @@
       </p:sp>
       <p:sp>
         <p:nvSpPr>
-          <p:cNvPr id="3" name="内容占位符 2">
-            <a:extLst>
-              <a:ext uri="{FF2B5EF4-FFF2-40B4-BE49-F238E27FC236}">
-                <a16:creationId xmlns:a16="http://schemas.microsoft.com/office/drawing/2014/main" id="{D5622666-714D-47B9-90DA-663F09F7D962}"/>
-              </a:ext>
-            </a:extLst>
-          </p:cNvPr>
+          <p:cNvPr id="3" name="内容占位符 2"/>
           <p:cNvSpPr>
             <a:spLocks noGrp="1"/>
           </p:cNvSpPr>
@@ -3939,6 +3911,7 @@
               <a:rPr lang="en-US" altLang="zh-CN" dirty="0"/>
               <a:t>Matplotlib</a:t>
             </a:r>
+            <a:endParaRPr lang="en-US" altLang="zh-CN" dirty="0"/>
           </a:p>
           <a:p>
             <a:r>
@@ -3954,11 +3927,6 @@
         </p:txBody>
       </p:sp>
     </p:spTree>
-    <p:extLst>
-      <p:ext uri="{BB962C8B-B14F-4D97-AF65-F5344CB8AC3E}">
-        <p14:creationId xmlns:p14="http://schemas.microsoft.com/office/powerpoint/2010/main" val="2922824280"/>
-      </p:ext>
-    </p:extLst>
   </p:cSld>
   <p:clrMapOvr>
     <a:masterClrMapping/>
@@ -3985,13 +3953,7 @@
       </p:grpSpPr>
       <p:sp>
         <p:nvSpPr>
-          <p:cNvPr id="2" name="标题 1">
-            <a:extLst>
-              <a:ext uri="{FF2B5EF4-FFF2-40B4-BE49-F238E27FC236}">
-                <a16:creationId xmlns:a16="http://schemas.microsoft.com/office/drawing/2014/main" id="{D5057537-BD77-4B1F-B1F0-BEF6D7564530}"/>
-              </a:ext>
-            </a:extLst>
-          </p:cNvPr>
+          <p:cNvPr id="2" name="标题 1"/>
           <p:cNvSpPr>
             <a:spLocks noGrp="1"/>
           </p:cNvSpPr>
@@ -4014,13 +3976,7 @@
       </p:sp>
       <p:sp>
         <p:nvSpPr>
-          <p:cNvPr id="3" name="内容占位符 2">
-            <a:extLst>
-              <a:ext uri="{FF2B5EF4-FFF2-40B4-BE49-F238E27FC236}">
-                <a16:creationId xmlns:a16="http://schemas.microsoft.com/office/drawing/2014/main" id="{ECCABDB5-C4A2-43C6-8CF8-3C2845F46EA0}"/>
-              </a:ext>
-            </a:extLst>
-          </p:cNvPr>
+          <p:cNvPr id="3" name="内容占位符 2"/>
           <p:cNvSpPr>
             <a:spLocks noGrp="1"/>
           </p:cNvSpPr>
@@ -4039,7 +3995,7 @@
                   <a:srgbClr val="383A42"/>
                 </a:solidFill>
                 <a:effectLst/>
-                <a:latin typeface="Source Code Pro"/>
+                <a:ea typeface="+mn-lt"/>
               </a:rPr>
               <a:t>plt.hist</a:t>
             </a:r>
@@ -4049,7 +4005,7 @@
                   <a:srgbClr val="383A42"/>
                 </a:solidFill>
                 <a:effectLst/>
-                <a:latin typeface="Source Code Pro"/>
+                <a:ea typeface="+mn-lt"/>
               </a:rPr>
               <a:t>(</a:t>
             </a:r>
@@ -4059,7 +4015,7 @@
                   <a:srgbClr val="383A42"/>
                 </a:solidFill>
                 <a:effectLst/>
-                <a:latin typeface="Source Code Pro"/>
+                <a:ea typeface="+mn-lt"/>
               </a:rPr>
               <a:t>img.ravel</a:t>
             </a:r>
@@ -4069,7 +4025,7 @@
                   <a:srgbClr val="383A42"/>
                 </a:solidFill>
                 <a:effectLst/>
-                <a:latin typeface="Source Code Pro"/>
+                <a:ea typeface="+mn-lt"/>
               </a:rPr>
               <a:t>(),</a:t>
             </a:r>
@@ -4079,7 +4035,7 @@
                   <a:srgbClr val="986801"/>
                 </a:solidFill>
                 <a:effectLst/>
-                <a:latin typeface="Source Code Pro"/>
+                <a:ea typeface="+mn-lt"/>
               </a:rPr>
               <a:t>256</a:t>
             </a:r>
@@ -4089,7 +4045,7 @@
                   <a:srgbClr val="383A42"/>
                 </a:solidFill>
                 <a:effectLst/>
-                <a:latin typeface="Source Code Pro"/>
+                <a:ea typeface="+mn-lt"/>
               </a:rPr>
               <a:t>,[</a:t>
             </a:r>
@@ -4099,7 +4055,7 @@
                   <a:srgbClr val="986801"/>
                 </a:solidFill>
                 <a:effectLst/>
-                <a:latin typeface="Source Code Pro"/>
+                <a:ea typeface="+mn-lt"/>
               </a:rPr>
               <a:t>0</a:t>
             </a:r>
@@ -4109,7 +4065,7 @@
                   <a:srgbClr val="383A42"/>
                 </a:solidFill>
                 <a:effectLst/>
-                <a:latin typeface="Source Code Pro"/>
+                <a:ea typeface="+mn-lt"/>
               </a:rPr>
               <a:t>,</a:t>
             </a:r>
@@ -4119,7 +4075,7 @@
                   <a:srgbClr val="986801"/>
                 </a:solidFill>
                 <a:effectLst/>
-                <a:latin typeface="Source Code Pro"/>
+                <a:ea typeface="+mn-lt"/>
               </a:rPr>
               <a:t>256</a:t>
             </a:r>
@@ -4129,29 +4085,25 @@
                   <a:srgbClr val="383A42"/>
                 </a:solidFill>
                 <a:effectLst/>
-                <a:latin typeface="Source Code Pro"/>
+                <a:ea typeface="+mn-lt"/>
               </a:rPr>
               <a:t>])</a:t>
             </a:r>
-            <a:endParaRPr lang="zh-CN" altLang="en-US" dirty="0"/>
+            <a:endParaRPr lang="zh-CN" altLang="en-US" dirty="0">
+              <a:ea typeface="+mn-lt"/>
+            </a:endParaRPr>
           </a:p>
         </p:txBody>
       </p:sp>
       <p:cxnSp>
         <p:nvCxnSpPr>
-          <p:cNvPr id="5" name="直接箭头连接符 4">
-            <a:extLst>
-              <a:ext uri="{FF2B5EF4-FFF2-40B4-BE49-F238E27FC236}">
-                <a16:creationId xmlns:a16="http://schemas.microsoft.com/office/drawing/2014/main" id="{2F0D49CB-0EF7-46C8-A21F-4C6FCF6637E4}"/>
-              </a:ext>
-            </a:extLst>
-          </p:cNvPr>
+          <p:cNvPr id="5" name="直接箭头连接符 4"/>
           <p:cNvCxnSpPr/>
           <p:nvPr/>
         </p:nvCxnSpPr>
         <p:spPr>
           <a:xfrm>
-            <a:off x="5539666" y="2237173"/>
+            <a:off x="4268396" y="2184468"/>
             <a:ext cx="0" cy="754602"/>
           </a:xfrm>
           <a:prstGeom prst="straightConnector1">
@@ -4178,19 +4130,13 @@
       </p:cxnSp>
       <p:sp>
         <p:nvSpPr>
-          <p:cNvPr id="6" name="文本框 5">
-            <a:extLst>
-              <a:ext uri="{FF2B5EF4-FFF2-40B4-BE49-F238E27FC236}">
-                <a16:creationId xmlns:a16="http://schemas.microsoft.com/office/drawing/2014/main" id="{2699AC4B-137E-4596-836C-FA9B252F3B87}"/>
-              </a:ext>
-            </a:extLst>
-          </p:cNvPr>
+          <p:cNvPr id="6" name="文本框 5"/>
           <p:cNvSpPr txBox="1"/>
           <p:nvPr/>
         </p:nvSpPr>
         <p:spPr>
           <a:xfrm>
-            <a:off x="5282214" y="2894122"/>
+            <a:off x="3986814" y="2894122"/>
             <a:ext cx="590226" cy="369332"/>
           </a:xfrm>
           <a:prstGeom prst="rect">
@@ -4214,19 +4160,13 @@
       </p:sp>
       <p:cxnSp>
         <p:nvCxnSpPr>
-          <p:cNvPr id="8" name="直接箭头连接符 7">
-            <a:extLst>
-              <a:ext uri="{FF2B5EF4-FFF2-40B4-BE49-F238E27FC236}">
-                <a16:creationId xmlns:a16="http://schemas.microsoft.com/office/drawing/2014/main" id="{207EE81C-1D2C-4688-B8E2-A07CDB6AAE2E}"/>
-              </a:ext>
-            </a:extLst>
-          </p:cNvPr>
+          <p:cNvPr id="8" name="直接箭头连接符 7"/>
           <p:cNvCxnSpPr/>
           <p:nvPr/>
         </p:nvCxnSpPr>
         <p:spPr>
           <a:xfrm>
-            <a:off x="6826928" y="2237173"/>
+            <a:off x="5130843" y="2187008"/>
             <a:ext cx="239697" cy="648070"/>
           </a:xfrm>
           <a:prstGeom prst="straightConnector1">
@@ -4253,19 +4193,13 @@
       </p:cxnSp>
       <p:sp>
         <p:nvSpPr>
-          <p:cNvPr id="9" name="文本框 8">
-            <a:extLst>
-              <a:ext uri="{FF2B5EF4-FFF2-40B4-BE49-F238E27FC236}">
-                <a16:creationId xmlns:a16="http://schemas.microsoft.com/office/drawing/2014/main" id="{2267F564-EBB1-462D-8284-8C47AACD0C23}"/>
-              </a:ext>
-            </a:extLst>
-          </p:cNvPr>
+          <p:cNvPr id="9" name="文本框 8"/>
           <p:cNvSpPr txBox="1"/>
           <p:nvPr/>
         </p:nvSpPr>
         <p:spPr>
           <a:xfrm>
-            <a:off x="6984623" y="2835514"/>
+            <a:off x="5070098" y="2835514"/>
             <a:ext cx="756938" cy="369332"/>
           </a:xfrm>
           <a:prstGeom prst="rect">
@@ -4288,11 +4222,6 @@
         </p:txBody>
       </p:sp>
     </p:spTree>
-    <p:extLst>
-      <p:ext uri="{BB962C8B-B14F-4D97-AF65-F5344CB8AC3E}">
-        <p14:creationId xmlns:p14="http://schemas.microsoft.com/office/powerpoint/2010/main" val="2188948472"/>
-      </p:ext>
-    </p:extLst>
   </p:cSld>
   <p:clrMapOvr>
     <a:masterClrMapping/>
@@ -4319,13 +4248,7 @@
       </p:grpSpPr>
       <p:sp>
         <p:nvSpPr>
-          <p:cNvPr id="2" name="标题 1">
-            <a:extLst>
-              <a:ext uri="{FF2B5EF4-FFF2-40B4-BE49-F238E27FC236}">
-                <a16:creationId xmlns:a16="http://schemas.microsoft.com/office/drawing/2014/main" id="{D6F775C2-617F-41C8-9205-4CF29EDDBB9C}"/>
-              </a:ext>
-            </a:extLst>
-          </p:cNvPr>
+          <p:cNvPr id="2" name="标题 1"/>
           <p:cNvSpPr>
             <a:spLocks noGrp="1"/>
           </p:cNvSpPr>
@@ -4356,13 +4279,7 @@
       </p:sp>
       <p:sp>
         <p:nvSpPr>
-          <p:cNvPr id="3" name="内容占位符 2">
-            <a:extLst>
-              <a:ext uri="{FF2B5EF4-FFF2-40B4-BE49-F238E27FC236}">
-                <a16:creationId xmlns:a16="http://schemas.microsoft.com/office/drawing/2014/main" id="{74162837-BFC5-4714-B789-1D380F67A3CE}"/>
-              </a:ext>
-            </a:extLst>
-          </p:cNvPr>
+          <p:cNvPr id="3" name="内容占位符 2"/>
           <p:cNvSpPr>
             <a:spLocks noGrp="1"/>
           </p:cNvSpPr>
@@ -4379,12 +4296,14 @@
               <a:rPr lang="en-US" altLang="zh-CN" dirty="0"/>
               <a:t>Cv2.line()</a:t>
             </a:r>
+            <a:endParaRPr lang="en-US" altLang="zh-CN" dirty="0"/>
           </a:p>
           <a:p>
             <a:r>
               <a:rPr lang="en-US" altLang="zh-CN" dirty="0"/>
               <a:t>Cv2.polyline()</a:t>
             </a:r>
+            <a:endParaRPr lang="en-US" altLang="zh-CN" dirty="0"/>
           </a:p>
           <a:p>
             <a:endParaRPr lang="en-US" altLang="zh-CN" dirty="0"/>
@@ -4399,11 +4318,6 @@
         </p:txBody>
       </p:sp>
     </p:spTree>
-    <p:extLst>
-      <p:ext uri="{BB962C8B-B14F-4D97-AF65-F5344CB8AC3E}">
-        <p14:creationId xmlns:p14="http://schemas.microsoft.com/office/powerpoint/2010/main" val="2657857721"/>
-      </p:ext>
-    </p:extLst>
   </p:cSld>
   <p:clrMapOvr>
     <a:masterClrMapping/>
@@ -4428,15 +4342,33 @@
           <a:chExt cx="0" cy="0"/>
         </a:xfrm>
       </p:grpSpPr>
-      <p:sp>
-        <p:nvSpPr>
-          <p:cNvPr id="2" name="标题 1">
-            <a:extLst>
-              <a:ext uri="{FF2B5EF4-FFF2-40B4-BE49-F238E27FC236}">
-                <a16:creationId xmlns:a16="http://schemas.microsoft.com/office/drawing/2014/main" id="{519B89BE-958A-484F-8669-ABEB4CA7F5BB}"/>
-              </a:ext>
-            </a:extLst>
-          </p:cNvPr>
+      <p:pic>
+        <p:nvPicPr>
+          <p:cNvPr id="4" name="图片 3"/>
+          <p:cNvPicPr>
+            <a:picLocks noChangeAspect="1"/>
+          </p:cNvPicPr>
+          <p:nvPr/>
+        </p:nvPicPr>
+        <p:blipFill>
+          <a:blip r:embed="rId1"/>
+          <a:stretch>
+            <a:fillRect/>
+          </a:stretch>
+        </p:blipFill>
+        <p:spPr>
+          <a:xfrm>
+            <a:off x="4491990" y="1047750"/>
+            <a:ext cx="7567295" cy="1950720"/>
+          </a:xfrm>
+          <a:prstGeom prst="rect">
+            <a:avLst/>
+          </a:prstGeom>
+        </p:spPr>
+      </p:pic>
+      <p:sp>
+        <p:nvSpPr>
+          <p:cNvPr id="2" name="标题 1"/>
           <p:cNvSpPr>
             <a:spLocks noGrp="1"/>
           </p:cNvSpPr>
@@ -4459,13 +4391,7 @@
       </p:sp>
       <p:sp>
         <p:nvSpPr>
-          <p:cNvPr id="3" name="内容占位符 2">
-            <a:extLst>
-              <a:ext uri="{FF2B5EF4-FFF2-40B4-BE49-F238E27FC236}">
-                <a16:creationId xmlns:a16="http://schemas.microsoft.com/office/drawing/2014/main" id="{ED8D461A-0CF9-4D07-A428-820DC35F548E}"/>
-              </a:ext>
-            </a:extLst>
-          </p:cNvPr>
+          <p:cNvPr id="3" name="内容占位符 2"/>
           <p:cNvSpPr>
             <a:spLocks noGrp="1"/>
           </p:cNvSpPr>
@@ -4488,13 +4414,7 @@
       </p:sp>
       <p:pic>
         <p:nvPicPr>
-          <p:cNvPr id="5" name="图片 4">
-            <a:extLst>
-              <a:ext uri="{FF2B5EF4-FFF2-40B4-BE49-F238E27FC236}">
-                <a16:creationId xmlns:a16="http://schemas.microsoft.com/office/drawing/2014/main" id="{639A286A-BB3C-4637-B574-A9798BD1D124}"/>
-              </a:ext>
-            </a:extLst>
-          </p:cNvPr>
+          <p:cNvPr id="5" name="图片 4"/>
           <p:cNvPicPr>
             <a:picLocks noChangeAspect="1"/>
           </p:cNvPicPr>
@@ -4517,11 +4437,6 @@
         </p:spPr>
       </p:pic>
     </p:spTree>
-    <p:extLst>
-      <p:ext uri="{BB962C8B-B14F-4D97-AF65-F5344CB8AC3E}">
-        <p14:creationId xmlns:p14="http://schemas.microsoft.com/office/powerpoint/2010/main" val="3428870869"/>
-      </p:ext>
-    </p:extLst>
   </p:cSld>
   <p:clrMapOvr>
     <a:masterClrMapping/>
@@ -4548,13 +4463,7 @@
       </p:grpSpPr>
       <p:sp>
         <p:nvSpPr>
-          <p:cNvPr id="2" name="标题 1">
-            <a:extLst>
-              <a:ext uri="{FF2B5EF4-FFF2-40B4-BE49-F238E27FC236}">
-                <a16:creationId xmlns:a16="http://schemas.microsoft.com/office/drawing/2014/main" id="{50E5DD63-A36A-480E-81EB-8A855E62ED5C}"/>
-              </a:ext>
-            </a:extLst>
-          </p:cNvPr>
+          <p:cNvPr id="2" name="标题 1"/>
           <p:cNvSpPr>
             <a:spLocks noGrp="1"/>
           </p:cNvSpPr>
@@ -4573,23 +4482,21 @@
                   <a:srgbClr val="404040"/>
                 </a:solidFill>
                 <a:effectLst/>
-                <a:latin typeface="Roboto Slab"/>
+                <a:latin typeface="+mn-lt"/>
+                <a:ea typeface="+mn-lt"/>
               </a:rPr>
               <a:t>Histogram Equalization</a:t>
             </a:r>
-            <a:endParaRPr lang="zh-CN" altLang="en-US" dirty="0"/>
-          </a:p>
-        </p:txBody>
-      </p:sp>
-      <p:sp>
-        <p:nvSpPr>
-          <p:cNvPr id="3" name="内容占位符 2">
-            <a:extLst>
-              <a:ext uri="{FF2B5EF4-FFF2-40B4-BE49-F238E27FC236}">
-                <a16:creationId xmlns:a16="http://schemas.microsoft.com/office/drawing/2014/main" id="{0F62786A-A9ED-4B43-A337-53C93FF1FAB0}"/>
-              </a:ext>
-            </a:extLst>
-          </p:cNvPr>
+            <a:endParaRPr lang="zh-CN" altLang="en-US" dirty="0">
+              <a:latin typeface="+mn-lt"/>
+              <a:ea typeface="+mn-lt"/>
+            </a:endParaRPr>
+          </a:p>
+        </p:txBody>
+      </p:sp>
+      <p:sp>
+        <p:nvSpPr>
+          <p:cNvPr id="3" name="内容占位符 2"/>
           <p:cNvSpPr>
             <a:spLocks noGrp="1"/>
           </p:cNvSpPr>
@@ -4607,7 +4514,7 @@
                 <a:solidFill>
                   <a:srgbClr val="404040"/>
                 </a:solidFill>
-                <a:latin typeface="Lato"/>
+                <a:ea typeface="+mn-lt"/>
               </a:rPr>
               <a:t>B</a:t>
             </a:r>
@@ -4617,23 +4524,60 @@
                   <a:srgbClr val="404040"/>
                 </a:solidFill>
                 <a:effectLst/>
-                <a:latin typeface="Lato"/>
+                <a:ea typeface="+mn-lt"/>
               </a:rPr>
               <a:t>righter image will have all pixels confined to high values. While darker image will have pixels confined to low values.</a:t>
             </a:r>
-            <a:endParaRPr lang="zh-CN" altLang="en-US" dirty="0"/>
+            <a:endParaRPr lang="zh-CN" altLang="en-US" dirty="0">
+              <a:ea typeface="+mn-lt"/>
+            </a:endParaRPr>
           </a:p>
         </p:txBody>
       </p:sp>
       <p:pic>
         <p:nvPicPr>
-          <p:cNvPr id="2050" name="Picture 2" descr="Image result for 明亮">
+          <p:cNvPr id="2050" name="Picture 2" descr="Image result for 明亮"/>
+          <p:cNvPicPr>
+            <a:picLocks noChangeAspect="1" noChangeArrowheads="1"/>
+          </p:cNvPicPr>
+          <p:nvPr/>
+        </p:nvPicPr>
+        <p:blipFill>
+          <a:blip r:embed="rId1">
             <a:extLst>
-              <a:ext uri="{FF2B5EF4-FFF2-40B4-BE49-F238E27FC236}">
-                <a16:creationId xmlns:a16="http://schemas.microsoft.com/office/drawing/2014/main" id="{9365A880-1CA3-4DFB-9968-46EB4258FAE2}"/>
+              <a:ext uri="{28A0092B-C50C-407E-A947-70E740481C1C}">
+                <a14:useLocalDpi xmlns:a14="http://schemas.microsoft.com/office/drawing/2010/main" val="0"/>
               </a:ext>
             </a:extLst>
-          </p:cNvPr>
+          </a:blip>
+          <a:srcRect/>
+          <a:stretch>
+            <a:fillRect/>
+          </a:stretch>
+        </p:blipFill>
+        <p:spPr bwMode="auto">
+          <a:xfrm>
+            <a:off x="2645038" y="3144314"/>
+            <a:ext cx="2409825" cy="2238375"/>
+          </a:xfrm>
+          <a:prstGeom prst="rect">
+            <a:avLst/>
+          </a:prstGeom>
+          <a:noFill/>
+          <a:extLst>
+            <a:ext uri="{909E8E84-426E-40DD-AFC4-6F175D3DCCD1}">
+              <a14:hiddenFill xmlns:a14="http://schemas.microsoft.com/office/drawing/2010/main">
+                <a:solidFill>
+                  <a:srgbClr val="FFFFFF"/>
+                </a:solidFill>
+              </a14:hiddenFill>
+            </a:ext>
+          </a:extLst>
+        </p:spPr>
+      </p:pic>
+      <p:pic>
+        <p:nvPicPr>
+          <p:cNvPr id="2052" name="Picture 4" descr="Image result for 明亮"/>
           <p:cNvPicPr>
             <a:picLocks noChangeAspect="1" noChangeArrowheads="1"/>
           </p:cNvPicPr>
@@ -4654,8 +4598,8 @@
         </p:blipFill>
         <p:spPr bwMode="auto">
           <a:xfrm>
-            <a:off x="2645038" y="3144314"/>
-            <a:ext cx="2409825" cy="2238375"/>
+            <a:off x="6096000" y="3087163"/>
+            <a:ext cx="2352675" cy="2352675"/>
           </a:xfrm>
           <a:prstGeom prst="rect">
             <a:avLst/>
@@ -4672,59 +4616,73 @@
           </a:extLst>
         </p:spPr>
       </p:pic>
-      <p:pic>
-        <p:nvPicPr>
-          <p:cNvPr id="2052" name="Picture 4" descr="Image result for 明亮">
-            <a:extLst>
-              <a:ext uri="{FF2B5EF4-FFF2-40B4-BE49-F238E27FC236}">
-                <a16:creationId xmlns:a16="http://schemas.microsoft.com/office/drawing/2014/main" id="{A3D2FA0E-0EB1-4E9D-AE41-1D43A451C9A6}"/>
-              </a:ext>
-            </a:extLst>
-          </p:cNvPr>
-          <p:cNvPicPr>
-            <a:picLocks noChangeAspect="1" noChangeArrowheads="1"/>
-          </p:cNvPicPr>
+      <p:cxnSp>
+        <p:nvCxnSpPr>
+          <p:cNvPr id="4" name="直接箭头连接符 3"/>
+          <p:cNvCxnSpPr/>
           <p:nvPr/>
-        </p:nvPicPr>
-        <p:blipFill>
-          <a:blip r:embed="rId3">
-            <a:extLst>
-              <a:ext uri="{28A0092B-C50C-407E-A947-70E740481C1C}">
-                <a14:useLocalDpi xmlns:a14="http://schemas.microsoft.com/office/drawing/2010/main" val="0"/>
-              </a:ext>
-            </a:extLst>
-          </a:blip>
-          <a:srcRect/>
-          <a:stretch>
-            <a:fillRect/>
-          </a:stretch>
-        </p:blipFill>
-        <p:spPr bwMode="auto">
-          <a:xfrm>
-            <a:off x="6096000" y="3087163"/>
-            <a:ext cx="2352675" cy="2352675"/>
-          </a:xfrm>
-          <a:prstGeom prst="rect">
+        </p:nvCxnSpPr>
+        <p:spPr>
+          <a:xfrm>
+            <a:off x="2228215" y="2217420"/>
+            <a:ext cx="542925" cy="1123950"/>
+          </a:xfrm>
+          <a:prstGeom prst="straightConnector1">
             <a:avLst/>
           </a:prstGeom>
-          <a:noFill/>
-          <a:extLst>
-            <a:ext uri="{909E8E84-426E-40DD-AFC4-6F175D3DCCD1}">
-              <a14:hiddenFill xmlns:a14="http://schemas.microsoft.com/office/drawing/2010/main">
-                <a:solidFill>
-                  <a:srgbClr val="FFFFFF"/>
-                </a:solidFill>
-              </a14:hiddenFill>
-            </a:ext>
-          </a:extLst>
-        </p:spPr>
-      </p:pic>
+          <a:ln>
+            <a:tailEnd type="arrow"/>
+          </a:ln>
+        </p:spPr>
+        <p:style>
+          <a:lnRef idx="1">
+            <a:schemeClr val="accent1"/>
+          </a:lnRef>
+          <a:fillRef idx="0">
+            <a:schemeClr val="accent1"/>
+          </a:fillRef>
+          <a:effectRef idx="0">
+            <a:schemeClr val="accent1"/>
+          </a:effectRef>
+          <a:fontRef idx="minor">
+            <a:schemeClr val="tx1"/>
+          </a:fontRef>
+        </p:style>
+      </p:cxnSp>
+      <p:cxnSp>
+        <p:nvCxnSpPr>
+          <p:cNvPr id="5" name="直接箭头连接符 4"/>
+          <p:cNvCxnSpPr/>
+          <p:nvPr/>
+        </p:nvCxnSpPr>
+        <p:spPr>
+          <a:xfrm>
+            <a:off x="1801495" y="2566035"/>
+            <a:ext cx="4283710" cy="610870"/>
+          </a:xfrm>
+          <a:prstGeom prst="straightConnector1">
+            <a:avLst/>
+          </a:prstGeom>
+          <a:ln>
+            <a:tailEnd type="arrow"/>
+          </a:ln>
+        </p:spPr>
+        <p:style>
+          <a:lnRef idx="1">
+            <a:schemeClr val="accent1"/>
+          </a:lnRef>
+          <a:fillRef idx="0">
+            <a:schemeClr val="accent1"/>
+          </a:fillRef>
+          <a:effectRef idx="0">
+            <a:schemeClr val="accent1"/>
+          </a:effectRef>
+          <a:fontRef idx="minor">
+            <a:schemeClr val="tx1"/>
+          </a:fontRef>
+        </p:style>
+      </p:cxnSp>
     </p:spTree>
-    <p:extLst>
-      <p:ext uri="{BB962C8B-B14F-4D97-AF65-F5344CB8AC3E}">
-        <p14:creationId xmlns:p14="http://schemas.microsoft.com/office/powerpoint/2010/main" val="2998490591"/>
-      </p:ext>
-    </p:extLst>
   </p:cSld>
   <p:clrMapOvr>
     <a:masterClrMapping/>
@@ -4751,13 +4709,7 @@
       </p:grpSpPr>
       <p:sp>
         <p:nvSpPr>
-          <p:cNvPr id="2" name="标题 1">
-            <a:extLst>
-              <a:ext uri="{FF2B5EF4-FFF2-40B4-BE49-F238E27FC236}">
-                <a16:creationId xmlns:a16="http://schemas.microsoft.com/office/drawing/2014/main" id="{CDF12082-3F5A-470E-BB0A-E69B8F59DA0A}"/>
-              </a:ext>
-            </a:extLst>
-          </p:cNvPr>
+          <p:cNvPr id="2" name="标题 1"/>
           <p:cNvSpPr>
             <a:spLocks noGrp="1"/>
           </p:cNvSpPr>
@@ -4775,7 +4727,8 @@
                 <a:solidFill>
                   <a:srgbClr val="404040"/>
                 </a:solidFill>
-                <a:latin typeface="Lato"/>
+                <a:latin typeface="+mn-lt"/>
+                <a:ea typeface="+mn-lt"/>
               </a:rPr>
               <a:t>H</a:t>
             </a:r>
@@ -4785,23 +4738,21 @@
                   <a:srgbClr val="404040"/>
                 </a:solidFill>
                 <a:effectLst/>
-                <a:latin typeface="Lato"/>
+                <a:latin typeface="+mn-lt"/>
+                <a:ea typeface="+mn-lt"/>
               </a:rPr>
               <a:t>istogram Equalization</a:t>
             </a:r>
-            <a:endParaRPr lang="zh-CN" altLang="en-US" dirty="0"/>
-          </a:p>
-        </p:txBody>
-      </p:sp>
-      <p:sp>
-        <p:nvSpPr>
-          <p:cNvPr id="3" name="内容占位符 2">
-            <a:extLst>
-              <a:ext uri="{FF2B5EF4-FFF2-40B4-BE49-F238E27FC236}">
-                <a16:creationId xmlns:a16="http://schemas.microsoft.com/office/drawing/2014/main" id="{ABBFEF8C-987A-4196-8AB5-BCBD13E17545}"/>
-              </a:ext>
-            </a:extLst>
-          </p:cNvPr>
+            <a:endParaRPr lang="zh-CN" altLang="en-US" dirty="0">
+              <a:latin typeface="+mn-lt"/>
+              <a:ea typeface="+mn-lt"/>
+            </a:endParaRPr>
+          </a:p>
+        </p:txBody>
+      </p:sp>
+      <p:sp>
+        <p:nvSpPr>
+          <p:cNvPr id="3" name="内容占位符 2"/>
           <p:cNvSpPr>
             <a:spLocks noGrp="1"/>
           </p:cNvSpPr>
@@ -4820,7 +4771,7 @@
                   <a:srgbClr val="404040"/>
                 </a:solidFill>
                 <a:effectLst/>
-                <a:latin typeface="Lato"/>
+                <a:ea typeface="+mn-lt"/>
               </a:rPr>
               <a:t>A good image will have pixels from all regions of the image,</a:t>
             </a:r>
@@ -4829,7 +4780,7 @@
                 <a:solidFill>
                   <a:srgbClr val="404040"/>
                 </a:solidFill>
-                <a:latin typeface="Lato"/>
+                <a:ea typeface="+mn-lt"/>
               </a:rPr>
               <a:t> so we</a:t>
             </a:r>
@@ -4839,30 +4790,26 @@
                   <a:srgbClr val="404040"/>
                 </a:solidFill>
                 <a:effectLst/>
-                <a:latin typeface="Lato"/>
+                <a:ea typeface="+mn-lt"/>
               </a:rPr>
               <a:t> need to stretch this histogram to either ends </a:t>
             </a:r>
-            <a:endParaRPr lang="zh-CN" altLang="en-US" dirty="0"/>
+            <a:endParaRPr lang="zh-CN" altLang="en-US" dirty="0">
+              <a:ea typeface="+mn-lt"/>
+            </a:endParaRPr>
           </a:p>
         </p:txBody>
       </p:sp>
       <p:pic>
         <p:nvPicPr>
-          <p:cNvPr id="6" name="图片 5">
-            <a:extLst>
-              <a:ext uri="{FF2B5EF4-FFF2-40B4-BE49-F238E27FC236}">
-                <a16:creationId xmlns:a16="http://schemas.microsoft.com/office/drawing/2014/main" id="{6417997E-1686-4AF1-A0B1-897692088FE8}"/>
-              </a:ext>
-            </a:extLst>
-          </p:cNvPr>
+          <p:cNvPr id="6" name="图片 5"/>
           <p:cNvPicPr>
             <a:picLocks noChangeAspect="1"/>
           </p:cNvPicPr>
           <p:nvPr/>
         </p:nvPicPr>
         <p:blipFill>
-          <a:blip r:embed="rId2"/>
+          <a:blip r:embed="rId1"/>
           <a:stretch>
             <a:fillRect/>
           </a:stretch>
@@ -4878,11 +4825,6 @@
         </p:spPr>
       </p:pic>
     </p:spTree>
-    <p:extLst>
-      <p:ext uri="{BB962C8B-B14F-4D97-AF65-F5344CB8AC3E}">
-        <p14:creationId xmlns:p14="http://schemas.microsoft.com/office/powerpoint/2010/main" val="1827595914"/>
-      </p:ext>
-    </p:extLst>
   </p:cSld>
   <p:clrMapOvr>
     <a:masterClrMapping/>
@@ -4909,13 +4851,7 @@
       </p:grpSpPr>
       <p:sp>
         <p:nvSpPr>
-          <p:cNvPr id="2" name="标题 1">
-            <a:extLst>
-              <a:ext uri="{FF2B5EF4-FFF2-40B4-BE49-F238E27FC236}">
-                <a16:creationId xmlns:a16="http://schemas.microsoft.com/office/drawing/2014/main" id="{7212C1E6-AF5B-4AFB-A25A-8CE0B75291DE}"/>
-              </a:ext>
-            </a:extLst>
-          </p:cNvPr>
+          <p:cNvPr id="2" name="标题 1"/>
           <p:cNvSpPr>
             <a:spLocks noGrp="1"/>
           </p:cNvSpPr>
@@ -4934,13 +4870,7 @@
       </p:sp>
       <p:sp>
         <p:nvSpPr>
-          <p:cNvPr id="7" name="内容占位符 6">
-            <a:extLst>
-              <a:ext uri="{FF2B5EF4-FFF2-40B4-BE49-F238E27FC236}">
-                <a16:creationId xmlns:a16="http://schemas.microsoft.com/office/drawing/2014/main" id="{E6B11880-7528-4F4A-BA72-27187F906B52}"/>
-              </a:ext>
-            </a:extLst>
-          </p:cNvPr>
+          <p:cNvPr id="7" name="内容占位符 6"/>
           <p:cNvSpPr>
             <a:spLocks noGrp="1"/>
           </p:cNvSpPr>
@@ -4962,6 +4892,7 @@
               <a:rPr lang="en-US" altLang="zh-CN" dirty="0"/>
               <a:t>The histogram lies in the brighter region.</a:t>
             </a:r>
+            <a:endParaRPr lang="en-US" altLang="zh-CN" dirty="0"/>
           </a:p>
           <a:p>
             <a:endParaRPr lang="en-US" altLang="zh-CN" dirty="0"/>
@@ -4979,25 +4910,24 @@
               </a:rPr>
               <a:t>That is histogram equalization does.</a:t>
             </a:r>
+            <a:endParaRPr lang="en-US" altLang="zh-CN" b="1" dirty="0">
+              <a:solidFill>
+                <a:srgbClr val="FF0000"/>
+              </a:solidFill>
+            </a:endParaRPr>
           </a:p>
         </p:txBody>
       </p:sp>
       <p:pic>
         <p:nvPicPr>
-          <p:cNvPr id="9" name="图片 8">
-            <a:extLst>
-              <a:ext uri="{FF2B5EF4-FFF2-40B4-BE49-F238E27FC236}">
-                <a16:creationId xmlns:a16="http://schemas.microsoft.com/office/drawing/2014/main" id="{CF60A43A-02E0-4BAC-B4CE-0BE144AEEF7A}"/>
-              </a:ext>
-            </a:extLst>
-          </p:cNvPr>
+          <p:cNvPr id="9" name="图片 8"/>
           <p:cNvPicPr>
             <a:picLocks noChangeAspect="1"/>
           </p:cNvPicPr>
           <p:nvPr/>
         </p:nvPicPr>
         <p:blipFill>
-          <a:blip r:embed="rId2"/>
+          <a:blip r:embed="rId1"/>
           <a:stretch>
             <a:fillRect/>
           </a:stretch>
@@ -5014,13 +4944,7 @@
       </p:pic>
       <p:sp>
         <p:nvSpPr>
-          <p:cNvPr id="10" name="椭圆 9">
-            <a:extLst>
-              <a:ext uri="{FF2B5EF4-FFF2-40B4-BE49-F238E27FC236}">
-                <a16:creationId xmlns:a16="http://schemas.microsoft.com/office/drawing/2014/main" id="{7832224C-E562-466F-859D-4B540FBC2DA6}"/>
-              </a:ext>
-            </a:extLst>
-          </p:cNvPr>
+          <p:cNvPr id="10" name="椭圆 9"/>
           <p:cNvSpPr/>
           <p:nvPr/>
         </p:nvSpPr>
@@ -5066,13 +4990,7 @@
       </p:sp>
       <p:sp>
         <p:nvSpPr>
-          <p:cNvPr id="11" name="文本框 10">
-            <a:extLst>
-              <a:ext uri="{FF2B5EF4-FFF2-40B4-BE49-F238E27FC236}">
-                <a16:creationId xmlns:a16="http://schemas.microsoft.com/office/drawing/2014/main" id="{9B4B2EFA-8064-417B-965F-F326113112E0}"/>
-              </a:ext>
-            </a:extLst>
-          </p:cNvPr>
+          <p:cNvPr id="11" name="文本框 10"/>
           <p:cNvSpPr txBox="1"/>
           <p:nvPr/>
         </p:nvSpPr>
@@ -5102,13 +5020,7 @@
       </p:sp>
       <p:cxnSp>
         <p:nvCxnSpPr>
-          <p:cNvPr id="13" name="直接箭头连接符 12">
-            <a:extLst>
-              <a:ext uri="{FF2B5EF4-FFF2-40B4-BE49-F238E27FC236}">
-                <a16:creationId xmlns:a16="http://schemas.microsoft.com/office/drawing/2014/main" id="{B5200DBA-D845-41C9-B018-A75D02CA9EE8}"/>
-              </a:ext>
-            </a:extLst>
-          </p:cNvPr>
+          <p:cNvPr id="13" name="直接箭头连接符 12"/>
           <p:cNvCxnSpPr/>
           <p:nvPr/>
         </p:nvCxnSpPr>
@@ -5140,11 +5052,6 @@
         </p:style>
       </p:cxnSp>
     </p:spTree>
-    <p:extLst>
-      <p:ext uri="{BB962C8B-B14F-4D97-AF65-F5344CB8AC3E}">
-        <p14:creationId xmlns:p14="http://schemas.microsoft.com/office/powerpoint/2010/main" val="1897032744"/>
-      </p:ext>
-    </p:extLst>
   </p:cSld>
   <p:clrMapOvr>
     <a:masterClrMapping/>
@@ -5171,13 +5078,7 @@
       </p:grpSpPr>
       <p:sp>
         <p:nvSpPr>
-          <p:cNvPr id="2" name="标题 1">
-            <a:extLst>
-              <a:ext uri="{FF2B5EF4-FFF2-40B4-BE49-F238E27FC236}">
-                <a16:creationId xmlns:a16="http://schemas.microsoft.com/office/drawing/2014/main" id="{C7F1BA54-1C8A-4A29-8159-6C43B20FF2C8}"/>
-              </a:ext>
-            </a:extLst>
-          </p:cNvPr>
+          <p:cNvPr id="2" name="标题 1"/>
           <p:cNvSpPr>
             <a:spLocks noGrp="1"/>
           </p:cNvSpPr>
@@ -5200,13 +5101,7 @@
       </p:sp>
       <p:sp>
         <p:nvSpPr>
-          <p:cNvPr id="3" name="内容占位符 2">
-            <a:extLst>
-              <a:ext uri="{FF2B5EF4-FFF2-40B4-BE49-F238E27FC236}">
-                <a16:creationId xmlns:a16="http://schemas.microsoft.com/office/drawing/2014/main" id="{CB0A9035-8DD4-4C69-BC3C-09AD4A8E24B6}"/>
-              </a:ext>
-            </a:extLst>
-          </p:cNvPr>
+          <p:cNvPr id="3" name="内容占位符 2"/>
           <p:cNvSpPr>
             <a:spLocks noGrp="1"/>
           </p:cNvSpPr>
@@ -5230,20 +5125,14 @@
       </p:sp>
       <p:pic>
         <p:nvPicPr>
-          <p:cNvPr id="4" name="图片 3">
-            <a:extLst>
-              <a:ext uri="{FF2B5EF4-FFF2-40B4-BE49-F238E27FC236}">
-                <a16:creationId xmlns:a16="http://schemas.microsoft.com/office/drawing/2014/main" id="{42E8C510-4E4A-43B8-A4B3-CB80A0F0BBAB}"/>
-              </a:ext>
-            </a:extLst>
-          </p:cNvPr>
+          <p:cNvPr id="4" name="图片 3"/>
           <p:cNvPicPr>
             <a:picLocks noChangeAspect="1"/>
           </p:cNvPicPr>
           <p:nvPr/>
         </p:nvPicPr>
         <p:blipFill>
-          <a:blip r:embed="rId2"/>
+          <a:blip r:embed="rId1"/>
           <a:stretch>
             <a:fillRect/>
           </a:stretch>
@@ -5259,11 +5148,6 @@
         </p:spPr>
       </p:pic>
     </p:spTree>
-    <p:extLst>
-      <p:ext uri="{BB962C8B-B14F-4D97-AF65-F5344CB8AC3E}">
-        <p14:creationId xmlns:p14="http://schemas.microsoft.com/office/powerpoint/2010/main" val="1631679380"/>
-      </p:ext>
-    </p:extLst>
   </p:cSld>
   <p:clrMapOvr>
     <a:masterClrMapping/>
@@ -5290,13 +5174,7 @@
       </p:grpSpPr>
       <p:sp>
         <p:nvSpPr>
-          <p:cNvPr id="2" name="标题 1">
-            <a:extLst>
-              <a:ext uri="{FF2B5EF4-FFF2-40B4-BE49-F238E27FC236}">
-                <a16:creationId xmlns:a16="http://schemas.microsoft.com/office/drawing/2014/main" id="{6CD93C18-2407-490A-9AC5-1DF200CDC5E7}"/>
-              </a:ext>
-            </a:extLst>
-          </p:cNvPr>
+          <p:cNvPr id="2" name="标题 1"/>
           <p:cNvSpPr>
             <a:spLocks noGrp="1"/>
           </p:cNvSpPr>
@@ -5323,13 +5201,7 @@
       </p:sp>
       <p:sp>
         <p:nvSpPr>
-          <p:cNvPr id="3" name="内容占位符 2">
-            <a:extLst>
-              <a:ext uri="{FF2B5EF4-FFF2-40B4-BE49-F238E27FC236}">
-                <a16:creationId xmlns:a16="http://schemas.microsoft.com/office/drawing/2014/main" id="{0DFC20E5-5157-4206-9C6F-F009B8A60E86}"/>
-              </a:ext>
-            </a:extLst>
-          </p:cNvPr>
+          <p:cNvPr id="3" name="内容占位符 2"/>
           <p:cNvSpPr>
             <a:spLocks noGrp="1"/>
           </p:cNvSpPr>
@@ -5346,18 +5218,21 @@
               <a:rPr lang="en-US" altLang="zh-CN" dirty="0"/>
               <a:t>Calculate the Histogram </a:t>
             </a:r>
+            <a:endParaRPr lang="en-US" altLang="zh-CN" dirty="0"/>
           </a:p>
           <a:p>
             <a:r>
               <a:rPr lang="en-US" altLang="zh-CN" dirty="0"/>
               <a:t>Cumulative distribution function (CDF)</a:t>
             </a:r>
+            <a:endParaRPr lang="en-US" altLang="zh-CN" dirty="0"/>
           </a:p>
           <a:p>
             <a:r>
               <a:rPr lang="en-US" altLang="zh-CN" dirty="0"/>
               <a:t>Normalize the CDF</a:t>
             </a:r>
+            <a:endParaRPr lang="en-US" altLang="zh-CN" dirty="0"/>
           </a:p>
           <a:p>
             <a:r>
@@ -5372,11 +5247,6 @@
         </p:txBody>
       </p:sp>
     </p:spTree>
-    <p:extLst>
-      <p:ext uri="{BB962C8B-B14F-4D97-AF65-F5344CB8AC3E}">
-        <p14:creationId xmlns:p14="http://schemas.microsoft.com/office/powerpoint/2010/main" val="118800465"/>
-      </p:ext>
-    </p:extLst>
   </p:cSld>
   <p:clrMapOvr>
     <a:masterClrMapping/>
@@ -5437,35 +5307,47 @@
         <p:spPr/>
         <p:txBody>
           <a:bodyPr>
-            <a:normAutofit/>
+            <a:normAutofit lnSpcReduction="10000"/>
           </a:bodyPr>
           <a:lstStyle/>
           <a:p>
             <a:r>
               <a:rPr lang="en-US" altLang="zh-CN" dirty="0"/>
-              <a:t>Image thresholding</a:t>
-            </a:r>
+              <a:t>Histogram</a:t>
+            </a:r>
+            <a:endParaRPr lang="en-US" altLang="zh-CN" dirty="0"/>
           </a:p>
           <a:p>
             <a:pPr lvl="1"/>
             <a:r>
               <a:rPr lang="en-US" altLang="zh-CN" dirty="0"/>
-              <a:t>Simple thresholding</a:t>
-            </a:r>
+              <a:t>Definitioin</a:t>
+            </a:r>
+            <a:endParaRPr lang="en-US" altLang="zh-CN" dirty="0"/>
           </a:p>
           <a:p>
             <a:pPr lvl="1"/>
             <a:r>
               <a:rPr lang="en-US" altLang="zh-CN" dirty="0"/>
-              <a:t>Adaptive Thresholding</a:t>
-            </a:r>
+              <a:t>Method to define histogram </a:t>
+            </a:r>
+            <a:endParaRPr lang="en-US" altLang="zh-CN" dirty="0"/>
           </a:p>
           <a:p>
             <a:pPr lvl="1"/>
             <a:r>
               <a:rPr lang="en-US" altLang="zh-CN" dirty="0"/>
-              <a:t>Otsu’s method</a:t>
-            </a:r>
+              <a:t>Get histogram using numpy and opencv </a:t>
+            </a:r>
+            <a:endParaRPr lang="en-US" altLang="zh-CN" dirty="0"/>
+          </a:p>
+          <a:p>
+            <a:pPr lvl="1"/>
+            <a:r>
+              <a:rPr lang="en-US" altLang="zh-CN" dirty="0"/>
+              <a:t>Mask histogram</a:t>
+            </a:r>
+            <a:endParaRPr lang="en-US" altLang="zh-CN" dirty="0"/>
           </a:p>
           <a:p>
             <a:pPr lvl="1"/>
@@ -5474,36 +5356,37 @@
           <a:p>
             <a:r>
               <a:rPr lang="en-US" altLang="zh-CN" dirty="0"/>
-              <a:t>Image smoothing</a:t>
-            </a:r>
+              <a:t>Histogram equalization</a:t>
+            </a:r>
+            <a:endParaRPr lang="en-US" altLang="zh-CN" dirty="0"/>
           </a:p>
           <a:p>
             <a:pPr lvl="1"/>
             <a:r>
               <a:rPr lang="en-US" altLang="zh-CN" dirty="0"/>
-              <a:t>Average </a:t>
-            </a:r>
+              <a:t>What is histogram equalization</a:t>
+            </a:r>
+            <a:endParaRPr lang="en-US" altLang="zh-CN" dirty="0"/>
           </a:p>
           <a:p>
             <a:pPr lvl="1"/>
             <a:r>
               <a:rPr lang="en-US" altLang="zh-CN" dirty="0"/>
-              <a:t>Gaussian</a:t>
-            </a:r>
+              <a:t>Histogram equalization using numpy and opencv</a:t>
+            </a:r>
+            <a:endParaRPr lang="en-US" altLang="zh-CN" dirty="0"/>
           </a:p>
           <a:p>
             <a:pPr lvl="1"/>
             <a:r>
               <a:rPr lang="en-US" altLang="zh-CN" dirty="0"/>
-              <a:t>Media</a:t>
-            </a:r>
+              <a:t>Adaptive histogram equalization</a:t>
+            </a:r>
+            <a:endParaRPr lang="en-US" altLang="zh-CN" dirty="0"/>
           </a:p>
           <a:p>
             <a:pPr lvl="1"/>
-            <a:r>
-              <a:rPr lang="en-US" altLang="zh-CN" dirty="0"/>
-              <a:t>bilateral</a:t>
-            </a:r>
+            <a:endParaRPr lang="en-US" altLang="zh-CN" dirty="0"/>
           </a:p>
           <a:p>
             <a:pPr marL="0" indent="0">
@@ -5540,13 +5423,7 @@
       </p:grpSpPr>
       <p:sp>
         <p:nvSpPr>
-          <p:cNvPr id="2" name="标题 1">
-            <a:extLst>
-              <a:ext uri="{FF2B5EF4-FFF2-40B4-BE49-F238E27FC236}">
-                <a16:creationId xmlns:a16="http://schemas.microsoft.com/office/drawing/2014/main" id="{36825B36-EA17-43CF-9A08-FC732614D410}"/>
-              </a:ext>
-            </a:extLst>
-          </p:cNvPr>
+          <p:cNvPr id="2" name="标题 1"/>
           <p:cNvSpPr>
             <a:spLocks noGrp="1"/>
           </p:cNvSpPr>
@@ -5573,13 +5450,7 @@
       </p:sp>
       <p:sp>
         <p:nvSpPr>
-          <p:cNvPr id="3" name="内容占位符 2">
-            <a:extLst>
-              <a:ext uri="{FF2B5EF4-FFF2-40B4-BE49-F238E27FC236}">
-                <a16:creationId xmlns:a16="http://schemas.microsoft.com/office/drawing/2014/main" id="{E68B2E3A-8EBE-4B39-AC2D-6F85F2B2AD66}"/>
-              </a:ext>
-            </a:extLst>
-          </p:cNvPr>
+          <p:cNvPr id="3" name="内容占位符 2"/>
           <p:cNvSpPr>
             <a:spLocks noGrp="1"/>
           </p:cNvSpPr>
@@ -5598,7 +5469,7 @@
                   <a:srgbClr val="404040"/>
                 </a:solidFill>
                 <a:effectLst/>
-                <a:latin typeface="Lato"/>
+                <a:ea typeface="+mn-lt"/>
               </a:rPr>
               <a:t> </a:t>
             </a:r>
@@ -5608,7 +5479,7 @@
                   <a:srgbClr val="404040"/>
                 </a:solidFill>
                 <a:effectLst/>
-                <a:latin typeface="Lato"/>
+                <a:ea typeface="+mn-lt"/>
               </a:rPr>
               <a:t>cv2.equalizeHist(</a:t>
             </a:r>
@@ -5618,7 +5489,7 @@
                   <a:srgbClr val="404040"/>
                 </a:solidFill>
                 <a:effectLst/>
-                <a:latin typeface="Lato"/>
+                <a:ea typeface="+mn-lt"/>
               </a:rPr>
               <a:t>src</a:t>
             </a:r>
@@ -5628,10 +5499,17 @@
                   <a:srgbClr val="404040"/>
                 </a:solidFill>
                 <a:effectLst/>
-                <a:latin typeface="Lato"/>
+                <a:ea typeface="+mn-lt"/>
               </a:rPr>
               <a:t>)</a:t>
             </a:r>
+            <a:endParaRPr lang="en-US" altLang="zh-CN" b="1" i="0" dirty="0">
+              <a:solidFill>
+                <a:srgbClr val="404040"/>
+              </a:solidFill>
+              <a:effectLst/>
+              <a:ea typeface="+mn-lt"/>
+            </a:endParaRPr>
           </a:p>
           <a:p>
             <a:pPr marL="0" indent="0">
@@ -5641,7 +5519,7 @@
               <a:solidFill>
                 <a:srgbClr val="404040"/>
               </a:solidFill>
-              <a:latin typeface="Lato"/>
+              <a:ea typeface="+mn-lt"/>
             </a:endParaRPr>
           </a:p>
           <a:p>
@@ -5653,20 +5531,17 @@
                 <a:solidFill>
                   <a:srgbClr val="404040"/>
                 </a:solidFill>
-                <a:latin typeface="Lato"/>
+                <a:ea typeface="+mn-lt"/>
               </a:rPr>
               <a:t>Input is the source image</a:t>
             </a:r>
-            <a:endParaRPr lang="zh-CN" altLang="en-US" dirty="0"/>
+            <a:endParaRPr lang="zh-CN" altLang="en-US" dirty="0">
+              <a:ea typeface="+mn-lt"/>
+            </a:endParaRPr>
           </a:p>
         </p:txBody>
       </p:sp>
     </p:spTree>
-    <p:extLst>
-      <p:ext uri="{BB962C8B-B14F-4D97-AF65-F5344CB8AC3E}">
-        <p14:creationId xmlns:p14="http://schemas.microsoft.com/office/powerpoint/2010/main" val="1305809495"/>
-      </p:ext>
-    </p:extLst>
   </p:cSld>
   <p:clrMapOvr>
     <a:masterClrMapping/>
@@ -5693,13 +5568,7 @@
       </p:grpSpPr>
       <p:sp>
         <p:nvSpPr>
-          <p:cNvPr id="2" name="标题 1">
-            <a:extLst>
-              <a:ext uri="{FF2B5EF4-FFF2-40B4-BE49-F238E27FC236}">
-                <a16:creationId xmlns:a16="http://schemas.microsoft.com/office/drawing/2014/main" id="{074687AE-EBB7-4598-9805-6BF2F44D52D8}"/>
-              </a:ext>
-            </a:extLst>
-          </p:cNvPr>
+          <p:cNvPr id="2" name="标题 1"/>
           <p:cNvSpPr>
             <a:spLocks noGrp="1"/>
           </p:cNvSpPr>
@@ -5722,13 +5591,7 @@
       </p:sp>
       <p:pic>
         <p:nvPicPr>
-          <p:cNvPr id="4" name="内容占位符 3">
-            <a:extLst>
-              <a:ext uri="{FF2B5EF4-FFF2-40B4-BE49-F238E27FC236}">
-                <a16:creationId xmlns:a16="http://schemas.microsoft.com/office/drawing/2014/main" id="{FD9E1EA8-68D5-4EC3-91DA-A8289036F081}"/>
-              </a:ext>
-            </a:extLst>
-          </p:cNvPr>
+          <p:cNvPr id="4" name="内容占位符 3"/>
           <p:cNvPicPr>
             <a:picLocks noGrp="1" noChangeAspect="1"/>
           </p:cNvPicPr>
@@ -5737,9 +5600,11 @@
           </p:nvPr>
         </p:nvPicPr>
         <p:blipFill rotWithShape="1">
-          <a:blip r:embed="rId2"/>
+          <a:blip r:embed="rId1"/>
           <a:srcRect l="3251" r="3762"/>
-          <a:stretch/>
+          <a:stretch>
+            <a:fillRect/>
+          </a:stretch>
         </p:blipFill>
         <p:spPr>
           <a:xfrm>
@@ -5753,20 +5618,14 @@
       </p:pic>
       <p:sp>
         <p:nvSpPr>
-          <p:cNvPr id="5" name="文本框 4">
-            <a:extLst>
-              <a:ext uri="{FF2B5EF4-FFF2-40B4-BE49-F238E27FC236}">
-                <a16:creationId xmlns:a16="http://schemas.microsoft.com/office/drawing/2014/main" id="{AD1EC507-739A-41DB-A4AF-4D153E00D785}"/>
-              </a:ext>
-            </a:extLst>
-          </p:cNvPr>
+          <p:cNvPr id="5" name="文本框 4"/>
           <p:cNvSpPr txBox="1"/>
           <p:nvPr/>
         </p:nvSpPr>
         <p:spPr>
           <a:xfrm>
             <a:off x="603682" y="2396971"/>
-            <a:ext cx="4403325" cy="1477328"/>
+            <a:ext cx="4403325" cy="1463040"/>
           </a:xfrm>
           <a:prstGeom prst="rect">
             <a:avLst/>
@@ -5784,7 +5643,7 @@
                 <a:solidFill>
                   <a:srgbClr val="404040"/>
                 </a:solidFill>
-                <a:latin typeface="Lato"/>
+                <a:ea typeface="+mn-lt"/>
               </a:rPr>
               <a:t>B</a:t>
             </a:r>
@@ -5794,23 +5653,19 @@
                   <a:srgbClr val="404040"/>
                 </a:solidFill>
                 <a:effectLst/>
-                <a:latin typeface="Lato"/>
+                <a:ea typeface="+mn-lt"/>
               </a:rPr>
               <a:t>ackground contrast has improved after histogram equalization. But compare the face of statue in both images. We lost most of the information there due to over-brightness</a:t>
             </a:r>
-            <a:endParaRPr lang="zh-CN" altLang="en-US" dirty="0"/>
-          </a:p>
-        </p:txBody>
-      </p:sp>
-      <p:sp>
-        <p:nvSpPr>
-          <p:cNvPr id="6" name="椭圆 5">
-            <a:extLst>
-              <a:ext uri="{FF2B5EF4-FFF2-40B4-BE49-F238E27FC236}">
-                <a16:creationId xmlns:a16="http://schemas.microsoft.com/office/drawing/2014/main" id="{232FC6E2-BEE4-442E-99B6-39458231C2B7}"/>
-              </a:ext>
-            </a:extLst>
-          </p:cNvPr>
+            <a:endParaRPr lang="zh-CN" altLang="en-US" dirty="0">
+              <a:ea typeface="+mn-lt"/>
+            </a:endParaRPr>
+          </a:p>
+        </p:txBody>
+      </p:sp>
+      <p:sp>
+        <p:nvSpPr>
+          <p:cNvPr id="6" name="椭圆 5"/>
           <p:cNvSpPr/>
           <p:nvPr/>
         </p:nvSpPr>
@@ -5856,13 +5711,7 @@
       </p:sp>
       <p:sp>
         <p:nvSpPr>
-          <p:cNvPr id="7" name="椭圆 6">
-            <a:extLst>
-              <a:ext uri="{FF2B5EF4-FFF2-40B4-BE49-F238E27FC236}">
-                <a16:creationId xmlns:a16="http://schemas.microsoft.com/office/drawing/2014/main" id="{68AB6B2D-1856-40E1-AC7C-255FC4E82DA3}"/>
-              </a:ext>
-            </a:extLst>
-          </p:cNvPr>
+          <p:cNvPr id="7" name="椭圆 6"/>
           <p:cNvSpPr/>
           <p:nvPr/>
         </p:nvSpPr>
@@ -5908,13 +5757,7 @@
       </p:sp>
       <p:sp>
         <p:nvSpPr>
-          <p:cNvPr id="9" name="任意多边形: 形状 8">
-            <a:extLst>
-              <a:ext uri="{FF2B5EF4-FFF2-40B4-BE49-F238E27FC236}">
-                <a16:creationId xmlns:a16="http://schemas.microsoft.com/office/drawing/2014/main" id="{8FB9701C-C200-4AEE-B626-945442C92540}"/>
-              </a:ext>
-            </a:extLst>
-          </p:cNvPr>
+          <p:cNvPr id="9" name="任意多边形: 形状 8"/>
           <p:cNvSpPr/>
           <p:nvPr/>
         </p:nvSpPr>
@@ -6032,11 +5875,6 @@
         </p:txBody>
       </p:sp>
     </p:spTree>
-    <p:extLst>
-      <p:ext uri="{BB962C8B-B14F-4D97-AF65-F5344CB8AC3E}">
-        <p14:creationId xmlns:p14="http://schemas.microsoft.com/office/powerpoint/2010/main" val="3660169648"/>
-      </p:ext>
-    </p:extLst>
   </p:cSld>
   <p:clrMapOvr>
     <a:masterClrMapping/>
@@ -6063,13 +5901,7 @@
       </p:grpSpPr>
       <p:sp>
         <p:nvSpPr>
-          <p:cNvPr id="2" name="标题 1">
-            <a:extLst>
-              <a:ext uri="{FF2B5EF4-FFF2-40B4-BE49-F238E27FC236}">
-                <a16:creationId xmlns:a16="http://schemas.microsoft.com/office/drawing/2014/main" id="{96121884-3516-4A67-BA5F-601334CA5374}"/>
-              </a:ext>
-            </a:extLst>
-          </p:cNvPr>
+          <p:cNvPr id="2" name="标题 1"/>
           <p:cNvSpPr>
             <a:spLocks noGrp="1"/>
           </p:cNvSpPr>
@@ -6088,13 +5920,7 @@
       </p:sp>
       <p:pic>
         <p:nvPicPr>
-          <p:cNvPr id="4" name="内容占位符 3">
-            <a:extLst>
-              <a:ext uri="{FF2B5EF4-FFF2-40B4-BE49-F238E27FC236}">
-                <a16:creationId xmlns:a16="http://schemas.microsoft.com/office/drawing/2014/main" id="{FECF1B11-66BE-4538-9127-641B43DEB5BE}"/>
-              </a:ext>
-            </a:extLst>
-          </p:cNvPr>
+          <p:cNvPr id="4" name="内容占位符 3"/>
           <p:cNvPicPr>
             <a:picLocks noGrp="1" noChangeAspect="1"/>
           </p:cNvPicPr>
@@ -6103,7 +5929,7 @@
           </p:nvPr>
         </p:nvPicPr>
         <p:blipFill>
-          <a:blip r:embed="rId2"/>
+          <a:blip r:embed="rId1"/>
           <a:stretch>
             <a:fillRect/>
           </a:stretch>
@@ -6120,13 +5946,7 @@
       </p:pic>
       <p:cxnSp>
         <p:nvCxnSpPr>
-          <p:cNvPr id="7" name="直接连接符 6">
-            <a:extLst>
-              <a:ext uri="{FF2B5EF4-FFF2-40B4-BE49-F238E27FC236}">
-                <a16:creationId xmlns:a16="http://schemas.microsoft.com/office/drawing/2014/main" id="{1D695ACF-34CD-4A82-ABE1-ABD502A3968B}"/>
-              </a:ext>
-            </a:extLst>
-          </p:cNvPr>
+          <p:cNvPr id="7" name="直接连接符 6"/>
           <p:cNvCxnSpPr/>
           <p:nvPr/>
         </p:nvCxnSpPr>
@@ -6161,13 +5981,7 @@
       </p:cxnSp>
       <p:cxnSp>
         <p:nvCxnSpPr>
-          <p:cNvPr id="8" name="直接连接符 7">
-            <a:extLst>
-              <a:ext uri="{FF2B5EF4-FFF2-40B4-BE49-F238E27FC236}">
-                <a16:creationId xmlns:a16="http://schemas.microsoft.com/office/drawing/2014/main" id="{64901142-7C46-4E0E-BAD3-616533A7D427}"/>
-              </a:ext>
-            </a:extLst>
-          </p:cNvPr>
+          <p:cNvPr id="8" name="直接连接符 7"/>
           <p:cNvCxnSpPr/>
           <p:nvPr/>
         </p:nvCxnSpPr>
@@ -6202,13 +6016,7 @@
       </p:cxnSp>
       <p:cxnSp>
         <p:nvCxnSpPr>
-          <p:cNvPr id="9" name="直接连接符 8">
-            <a:extLst>
-              <a:ext uri="{FF2B5EF4-FFF2-40B4-BE49-F238E27FC236}">
-                <a16:creationId xmlns:a16="http://schemas.microsoft.com/office/drawing/2014/main" id="{340CB55B-EF0C-41EA-8FCE-B99B2184E56E}"/>
-              </a:ext>
-            </a:extLst>
-          </p:cNvPr>
+          <p:cNvPr id="9" name="直接连接符 8"/>
           <p:cNvCxnSpPr/>
           <p:nvPr/>
         </p:nvCxnSpPr>
@@ -6243,13 +6051,7 @@
       </p:cxnSp>
       <p:cxnSp>
         <p:nvCxnSpPr>
-          <p:cNvPr id="10" name="直接连接符 9">
-            <a:extLst>
-              <a:ext uri="{FF2B5EF4-FFF2-40B4-BE49-F238E27FC236}">
-                <a16:creationId xmlns:a16="http://schemas.microsoft.com/office/drawing/2014/main" id="{6DC05371-C8DD-4CC2-87FF-57130467BEFF}"/>
-              </a:ext>
-            </a:extLst>
-          </p:cNvPr>
+          <p:cNvPr id="10" name="直接连接符 9"/>
           <p:cNvCxnSpPr/>
           <p:nvPr/>
         </p:nvCxnSpPr>
@@ -6284,13 +6086,7 @@
       </p:cxnSp>
       <p:cxnSp>
         <p:nvCxnSpPr>
-          <p:cNvPr id="11" name="直接连接符 10">
-            <a:extLst>
-              <a:ext uri="{FF2B5EF4-FFF2-40B4-BE49-F238E27FC236}">
-                <a16:creationId xmlns:a16="http://schemas.microsoft.com/office/drawing/2014/main" id="{9D666C1E-5625-4050-A920-FE3A670FA41D}"/>
-              </a:ext>
-            </a:extLst>
-          </p:cNvPr>
+          <p:cNvPr id="11" name="直接连接符 10"/>
           <p:cNvCxnSpPr/>
           <p:nvPr/>
         </p:nvCxnSpPr>
@@ -6325,13 +6121,7 @@
       </p:cxnSp>
       <p:cxnSp>
         <p:nvCxnSpPr>
-          <p:cNvPr id="13" name="直接连接符 12">
-            <a:extLst>
-              <a:ext uri="{FF2B5EF4-FFF2-40B4-BE49-F238E27FC236}">
-                <a16:creationId xmlns:a16="http://schemas.microsoft.com/office/drawing/2014/main" id="{DAE8679D-87C3-4813-B77F-9DD1F3AB96A1}"/>
-              </a:ext>
-            </a:extLst>
-          </p:cNvPr>
+          <p:cNvPr id="13" name="直接连接符 12"/>
           <p:cNvCxnSpPr/>
           <p:nvPr/>
         </p:nvCxnSpPr>
@@ -6366,13 +6156,7 @@
       </p:cxnSp>
       <p:cxnSp>
         <p:nvCxnSpPr>
-          <p:cNvPr id="14" name="直接连接符 13">
-            <a:extLst>
-              <a:ext uri="{FF2B5EF4-FFF2-40B4-BE49-F238E27FC236}">
-                <a16:creationId xmlns:a16="http://schemas.microsoft.com/office/drawing/2014/main" id="{0273E147-F371-401F-8009-B1D8C6F52052}"/>
-              </a:ext>
-            </a:extLst>
-          </p:cNvPr>
+          <p:cNvPr id="14" name="直接连接符 13"/>
           <p:cNvCxnSpPr/>
           <p:nvPr/>
         </p:nvCxnSpPr>
@@ -6407,13 +6191,7 @@
       </p:cxnSp>
       <p:cxnSp>
         <p:nvCxnSpPr>
-          <p:cNvPr id="15" name="直接连接符 14">
-            <a:extLst>
-              <a:ext uri="{FF2B5EF4-FFF2-40B4-BE49-F238E27FC236}">
-                <a16:creationId xmlns:a16="http://schemas.microsoft.com/office/drawing/2014/main" id="{E2A5D14F-61CF-43BB-9D51-35E809D7E6E6}"/>
-              </a:ext>
-            </a:extLst>
-          </p:cNvPr>
+          <p:cNvPr id="15" name="直接连接符 14"/>
           <p:cNvCxnSpPr/>
           <p:nvPr/>
         </p:nvCxnSpPr>
@@ -6448,13 +6226,7 @@
       </p:cxnSp>
       <p:cxnSp>
         <p:nvCxnSpPr>
-          <p:cNvPr id="16" name="直接连接符 15">
-            <a:extLst>
-              <a:ext uri="{FF2B5EF4-FFF2-40B4-BE49-F238E27FC236}">
-                <a16:creationId xmlns:a16="http://schemas.microsoft.com/office/drawing/2014/main" id="{7A6FAA85-3651-45B9-AFC3-8699F0E6219A}"/>
-              </a:ext>
-            </a:extLst>
-          </p:cNvPr>
+          <p:cNvPr id="16" name="直接连接符 15"/>
           <p:cNvCxnSpPr/>
           <p:nvPr/>
         </p:nvCxnSpPr>
@@ -6489,13 +6261,7 @@
       </p:cxnSp>
       <p:cxnSp>
         <p:nvCxnSpPr>
-          <p:cNvPr id="17" name="直接连接符 16">
-            <a:extLst>
-              <a:ext uri="{FF2B5EF4-FFF2-40B4-BE49-F238E27FC236}">
-                <a16:creationId xmlns:a16="http://schemas.microsoft.com/office/drawing/2014/main" id="{999803AF-7B7C-4AE1-BF28-8F24589F6233}"/>
-              </a:ext>
-            </a:extLst>
-          </p:cNvPr>
+          <p:cNvPr id="17" name="直接连接符 16"/>
           <p:cNvCxnSpPr/>
           <p:nvPr/>
         </p:nvCxnSpPr>
@@ -6530,13 +6296,7 @@
       </p:cxnSp>
       <p:cxnSp>
         <p:nvCxnSpPr>
-          <p:cNvPr id="18" name="直接连接符 17">
-            <a:extLst>
-              <a:ext uri="{FF2B5EF4-FFF2-40B4-BE49-F238E27FC236}">
-                <a16:creationId xmlns:a16="http://schemas.microsoft.com/office/drawing/2014/main" id="{B7D6B6D4-ED2B-4D7A-846B-56EE0069FF53}"/>
-              </a:ext>
-            </a:extLst>
-          </p:cNvPr>
+          <p:cNvPr id="18" name="直接连接符 17"/>
           <p:cNvCxnSpPr/>
           <p:nvPr/>
         </p:nvCxnSpPr>
@@ -6571,13 +6331,7 @@
       </p:cxnSp>
       <p:sp>
         <p:nvSpPr>
-          <p:cNvPr id="19" name="文本框 18">
-            <a:extLst>
-              <a:ext uri="{FF2B5EF4-FFF2-40B4-BE49-F238E27FC236}">
-                <a16:creationId xmlns:a16="http://schemas.microsoft.com/office/drawing/2014/main" id="{93276535-B20B-46DF-8625-3B9D06A03B86}"/>
-              </a:ext>
-            </a:extLst>
-          </p:cNvPr>
+          <p:cNvPr id="19" name="文本框 18"/>
           <p:cNvSpPr txBox="1"/>
           <p:nvPr/>
         </p:nvSpPr>
@@ -6601,12 +6355,14 @@
               <a:rPr lang="en-US" altLang="zh-CN" b="1" dirty="0"/>
               <a:t>Divide the image into same size grid, such as</a:t>
             </a:r>
+            <a:endParaRPr lang="en-US" altLang="zh-CN" b="1" dirty="0"/>
           </a:p>
           <a:p>
             <a:r>
               <a:rPr lang="en-US" altLang="zh-CN" b="1" dirty="0"/>
               <a:t>8*8, and do the histogram equalization in each</a:t>
             </a:r>
+            <a:endParaRPr lang="en-US" altLang="zh-CN" b="1" dirty="0"/>
           </a:p>
           <a:p>
             <a:r>
@@ -6618,11 +6374,6 @@
         </p:txBody>
       </p:sp>
     </p:spTree>
-    <p:extLst>
-      <p:ext uri="{BB962C8B-B14F-4D97-AF65-F5344CB8AC3E}">
-        <p14:creationId xmlns:p14="http://schemas.microsoft.com/office/powerpoint/2010/main" val="2244035991"/>
-      </p:ext>
-    </p:extLst>
   </p:cSld>
   <p:clrMapOvr>
     <a:masterClrMapping/>
@@ -6649,13 +6400,7 @@
       </p:grpSpPr>
       <p:sp>
         <p:nvSpPr>
-          <p:cNvPr id="2" name="标题 1">
-            <a:extLst>
-              <a:ext uri="{FF2B5EF4-FFF2-40B4-BE49-F238E27FC236}">
-                <a16:creationId xmlns:a16="http://schemas.microsoft.com/office/drawing/2014/main" id="{8FE95767-3992-4528-B5A0-35E26FDCEC13}"/>
-              </a:ext>
-            </a:extLst>
-          </p:cNvPr>
+          <p:cNvPr id="2" name="标题 1"/>
           <p:cNvSpPr>
             <a:spLocks noGrp="1"/>
           </p:cNvSpPr>
@@ -6682,13 +6427,7 @@
       </p:sp>
       <p:sp>
         <p:nvSpPr>
-          <p:cNvPr id="3" name="内容占位符 2">
-            <a:extLst>
-              <a:ext uri="{FF2B5EF4-FFF2-40B4-BE49-F238E27FC236}">
-                <a16:creationId xmlns:a16="http://schemas.microsoft.com/office/drawing/2014/main" id="{5E53612D-0B7C-4842-9427-B02983D51B84}"/>
-              </a:ext>
-            </a:extLst>
-          </p:cNvPr>
+          <p:cNvPr id="3" name="内容占位符 2"/>
           <p:cNvSpPr>
             <a:spLocks noGrp="1"/>
           </p:cNvSpPr>
@@ -6731,20 +6470,14 @@
       </p:sp>
       <p:pic>
         <p:nvPicPr>
-          <p:cNvPr id="5" name="图片 4">
-            <a:extLst>
-              <a:ext uri="{FF2B5EF4-FFF2-40B4-BE49-F238E27FC236}">
-                <a16:creationId xmlns:a16="http://schemas.microsoft.com/office/drawing/2014/main" id="{90F8D1DB-F33A-4578-98A6-A64036B4AC0F}"/>
-              </a:ext>
-            </a:extLst>
-          </p:cNvPr>
+          <p:cNvPr id="5" name="图片 4"/>
           <p:cNvPicPr>
             <a:picLocks noChangeAspect="1"/>
           </p:cNvPicPr>
           <p:nvPr/>
         </p:nvPicPr>
         <p:blipFill>
-          <a:blip r:embed="rId2"/>
+          <a:blip r:embed="rId1"/>
           <a:stretch>
             <a:fillRect/>
           </a:stretch>
@@ -6760,11 +6493,6 @@
         </p:spPr>
       </p:pic>
     </p:spTree>
-    <p:extLst>
-      <p:ext uri="{BB962C8B-B14F-4D97-AF65-F5344CB8AC3E}">
-        <p14:creationId xmlns:p14="http://schemas.microsoft.com/office/powerpoint/2010/main" val="3321707748"/>
-      </p:ext>
-    </p:extLst>
   </p:cSld>
   <p:clrMapOvr>
     <a:masterClrMapping/>
@@ -6791,13 +6519,7 @@
       </p:grpSpPr>
       <p:sp>
         <p:nvSpPr>
-          <p:cNvPr id="2" name="标题 1">
-            <a:extLst>
-              <a:ext uri="{FF2B5EF4-FFF2-40B4-BE49-F238E27FC236}">
-                <a16:creationId xmlns:a16="http://schemas.microsoft.com/office/drawing/2014/main" id="{AB8D69DE-18A3-4C29-B820-F1D8D26E3403}"/>
-              </a:ext>
-            </a:extLst>
-          </p:cNvPr>
+          <p:cNvPr id="2" name="标题 1"/>
           <p:cNvSpPr>
             <a:spLocks noGrp="1"/>
           </p:cNvSpPr>
@@ -6820,13 +6542,7 @@
       </p:sp>
       <p:sp>
         <p:nvSpPr>
-          <p:cNvPr id="3" name="内容占位符 2">
-            <a:extLst>
-              <a:ext uri="{FF2B5EF4-FFF2-40B4-BE49-F238E27FC236}">
-                <a16:creationId xmlns:a16="http://schemas.microsoft.com/office/drawing/2014/main" id="{49CAD9F7-77AC-4546-9ADE-59D8A94E3A13}"/>
-              </a:ext>
-            </a:extLst>
-          </p:cNvPr>
+          <p:cNvPr id="3" name="内容占位符 2"/>
           <p:cNvSpPr>
             <a:spLocks noGrp="1"/>
           </p:cNvSpPr>
@@ -6862,6 +6578,7 @@
               <a:rPr lang="en-US" altLang="zh-CN" dirty="0"/>
               <a:t> </a:t>
             </a:r>
+            <a:endParaRPr lang="en-US" altLang="zh-CN" dirty="0"/>
           </a:p>
           <a:p>
             <a:endParaRPr lang="zh-CN" altLang="en-US" dirty="0"/>
@@ -6869,11 +6586,6 @@
         </p:txBody>
       </p:sp>
     </p:spTree>
-    <p:extLst>
-      <p:ext uri="{BB962C8B-B14F-4D97-AF65-F5344CB8AC3E}">
-        <p14:creationId xmlns:p14="http://schemas.microsoft.com/office/powerpoint/2010/main" val="1234916629"/>
-      </p:ext>
-    </p:extLst>
   </p:cSld>
   <p:clrMapOvr>
     <a:masterClrMapping/>
@@ -6900,13 +6612,7 @@
       </p:grpSpPr>
       <p:sp>
         <p:nvSpPr>
-          <p:cNvPr id="2" name="标题 1">
-            <a:extLst>
-              <a:ext uri="{FF2B5EF4-FFF2-40B4-BE49-F238E27FC236}">
-                <a16:creationId xmlns:a16="http://schemas.microsoft.com/office/drawing/2014/main" id="{AB8D69DE-18A3-4C29-B820-F1D8D26E3403}"/>
-              </a:ext>
-            </a:extLst>
-          </p:cNvPr>
+          <p:cNvPr id="2" name="标题 1"/>
           <p:cNvSpPr>
             <a:spLocks noGrp="1"/>
           </p:cNvSpPr>
@@ -6933,13 +6639,7 @@
       </p:sp>
       <p:sp>
         <p:nvSpPr>
-          <p:cNvPr id="3" name="内容占位符 2">
-            <a:extLst>
-              <a:ext uri="{FF2B5EF4-FFF2-40B4-BE49-F238E27FC236}">
-                <a16:creationId xmlns:a16="http://schemas.microsoft.com/office/drawing/2014/main" id="{49CAD9F7-77AC-4546-9ADE-59D8A94E3A13}"/>
-              </a:ext>
-            </a:extLst>
-          </p:cNvPr>
+          <p:cNvPr id="3" name="内容占位符 2"/>
           <p:cNvSpPr>
             <a:spLocks noGrp="1"/>
           </p:cNvSpPr>
@@ -6975,6 +6675,7 @@
               <a:rPr lang="en-US" altLang="zh-CN" dirty="0"/>
               <a:t> </a:t>
             </a:r>
+            <a:endParaRPr lang="en-US" altLang="zh-CN" dirty="0"/>
           </a:p>
           <a:p>
             <a:r>
@@ -6993,11 +6694,6 @@
         </p:txBody>
       </p:sp>
     </p:spTree>
-    <p:extLst>
-      <p:ext uri="{BB962C8B-B14F-4D97-AF65-F5344CB8AC3E}">
-        <p14:creationId xmlns:p14="http://schemas.microsoft.com/office/powerpoint/2010/main" val="3594282740"/>
-      </p:ext>
-    </p:extLst>
   </p:cSld>
   <p:clrMapOvr>
     <a:masterClrMapping/>
@@ -7105,20 +6801,14 @@
       </p:sp>
       <p:pic>
         <p:nvPicPr>
-          <p:cNvPr id="8" name="图片 7">
-            <a:extLst>
-              <a:ext uri="{FF2B5EF4-FFF2-40B4-BE49-F238E27FC236}">
-                <a16:creationId xmlns:a16="http://schemas.microsoft.com/office/drawing/2014/main" id="{4B11ADF7-9244-424E-B48F-8B8BC8050FBF}"/>
-              </a:ext>
-            </a:extLst>
-          </p:cNvPr>
+          <p:cNvPr id="8" name="图片 7"/>
           <p:cNvPicPr>
             <a:picLocks noChangeAspect="1"/>
           </p:cNvPicPr>
           <p:nvPr/>
         </p:nvPicPr>
         <p:blipFill>
-          <a:blip r:embed="rId2"/>
+          <a:blip r:embed="rId1"/>
           <a:stretch>
             <a:fillRect/>
           </a:stretch>
@@ -7160,13 +6850,7 @@
       </p:grpSpPr>
       <p:sp>
         <p:nvSpPr>
-          <p:cNvPr id="2" name="标题 1">
-            <a:extLst>
-              <a:ext uri="{FF2B5EF4-FFF2-40B4-BE49-F238E27FC236}">
-                <a16:creationId xmlns:a16="http://schemas.microsoft.com/office/drawing/2014/main" id="{64E750C5-39A1-4763-845D-008F73A09652}"/>
-              </a:ext>
-            </a:extLst>
-          </p:cNvPr>
+          <p:cNvPr id="2" name="标题 1"/>
           <p:cNvSpPr>
             <a:spLocks noGrp="1"/>
           </p:cNvSpPr>
@@ -7189,13 +6873,7 @@
       </p:sp>
       <p:sp>
         <p:nvSpPr>
-          <p:cNvPr id="3" name="内容占位符 2">
-            <a:extLst>
-              <a:ext uri="{FF2B5EF4-FFF2-40B4-BE49-F238E27FC236}">
-                <a16:creationId xmlns:a16="http://schemas.microsoft.com/office/drawing/2014/main" id="{FEF7A29C-1015-4CBE-9C4F-6AF44B781C00}"/>
-              </a:ext>
-            </a:extLst>
-          </p:cNvPr>
+          <p:cNvPr id="3" name="内容占位符 2"/>
           <p:cNvSpPr>
             <a:spLocks noGrp="1"/>
           </p:cNvSpPr>
@@ -7229,14 +6907,16 @@
           <a:p>
             <a:r>
               <a:rPr lang="en-US" altLang="zh-CN" dirty="0"/>
-              <a:t>X-axis pixel values</a:t>
-            </a:r>
+              <a:t>X-axis pixel values (intensity)</a:t>
+            </a:r>
+            <a:endParaRPr lang="en-US" altLang="zh-CN" dirty="0"/>
           </a:p>
           <a:p>
             <a:r>
               <a:rPr lang="en-US" altLang="zh-CN" dirty="0"/>
               <a:t>Y-axis corresponding number of pixels</a:t>
             </a:r>
+            <a:endParaRPr lang="en-US" altLang="zh-CN" dirty="0"/>
           </a:p>
           <a:p>
             <a:r>
@@ -7294,22 +6974,18 @@
       </p:sp>
       <p:pic>
         <p:nvPicPr>
-          <p:cNvPr id="4" name="图片 3">
-            <a:extLst>
-              <a:ext uri="{FF2B5EF4-FFF2-40B4-BE49-F238E27FC236}">
-                <a16:creationId xmlns:a16="http://schemas.microsoft.com/office/drawing/2014/main" id="{22FA5B36-2C22-4D10-ABC2-82058B5DB948}"/>
-              </a:ext>
-            </a:extLst>
-          </p:cNvPr>
+          <p:cNvPr id="4" name="图片 3"/>
           <p:cNvPicPr>
             <a:picLocks noChangeAspect="1"/>
           </p:cNvPicPr>
           <p:nvPr/>
         </p:nvPicPr>
         <p:blipFill rotWithShape="1">
-          <a:blip r:embed="rId2"/>
+          <a:blip r:embed="rId1"/>
           <a:srcRect t="6618"/>
-          <a:stretch/>
+          <a:stretch>
+            <a:fillRect/>
+          </a:stretch>
         </p:blipFill>
         <p:spPr>
           <a:xfrm>
@@ -7337,13 +7013,7 @@
       </p:pic>
       <p:sp>
         <p:nvSpPr>
-          <p:cNvPr id="7" name="任意多边形: 形状 6">
-            <a:extLst>
-              <a:ext uri="{FF2B5EF4-FFF2-40B4-BE49-F238E27FC236}">
-                <a16:creationId xmlns:a16="http://schemas.microsoft.com/office/drawing/2014/main" id="{DED1A154-3FA0-483E-8A1C-7601317AEDBA}"/>
-              </a:ext>
-            </a:extLst>
-          </p:cNvPr>
+          <p:cNvPr id="7" name="任意多边形: 形状 6"/>
           <p:cNvSpPr/>
           <p:nvPr/>
         </p:nvSpPr>
@@ -7456,13 +7126,7 @@
       </p:sp>
       <p:sp>
         <p:nvSpPr>
-          <p:cNvPr id="8" name="任意多边形: 形状 7">
-            <a:extLst>
-              <a:ext uri="{FF2B5EF4-FFF2-40B4-BE49-F238E27FC236}">
-                <a16:creationId xmlns:a16="http://schemas.microsoft.com/office/drawing/2014/main" id="{EF974D53-00BD-499E-AAF9-061F3C15D7F1}"/>
-              </a:ext>
-            </a:extLst>
-          </p:cNvPr>
+          <p:cNvPr id="8" name="任意多边形: 形状 7"/>
           <p:cNvSpPr/>
           <p:nvPr/>
         </p:nvSpPr>
@@ -7551,12 +7215,123 @@
           </a:p>
         </p:txBody>
       </p:sp>
+      <p:sp>
+        <p:nvSpPr>
+          <p:cNvPr id="5" name="椭圆 4"/>
+          <p:cNvSpPr/>
+          <p:nvPr/>
+        </p:nvSpPr>
+        <p:spPr>
+          <a:xfrm>
+            <a:off x="8333740" y="5502910"/>
+            <a:ext cx="397510" cy="445770"/>
+          </a:xfrm>
+          <a:prstGeom prst="ellipse">
+            <a:avLst/>
+          </a:prstGeom>
+          <a:noFill/>
+          <a:ln w="38100">
+            <a:solidFill>
+              <a:srgbClr val="FF0000"/>
+            </a:solidFill>
+          </a:ln>
+          <a:extLst>
+            <a:ext uri="{909E8E84-426E-40DD-AFC4-6F175D3DCCD1}">
+              <a14:hiddenFill xmlns:a14="http://schemas.microsoft.com/office/drawing/2010/main">
+                <a:solidFill>
+                  <a:schemeClr val="accent1"/>
+                </a:solidFill>
+              </a14:hiddenFill>
+            </a:ext>
+          </a:extLst>
+        </p:spPr>
+        <p:style>
+          <a:lnRef idx="2">
+            <a:schemeClr val="accent1">
+              <a:shade val="50000"/>
+            </a:schemeClr>
+          </a:lnRef>
+          <a:fillRef idx="1">
+            <a:schemeClr val="accent1"/>
+          </a:fillRef>
+          <a:effectRef idx="0">
+            <a:schemeClr val="accent1"/>
+          </a:effectRef>
+          <a:fontRef idx="minor">
+            <a:schemeClr val="lt1"/>
+          </a:fontRef>
+        </p:style>
+        <p:txBody>
+          <a:bodyPr rtlCol="0" anchor="ctr"/>
+          <a:p>
+            <a:pPr algn="ctr"/>
+            <a:endParaRPr lang="zh-CN" altLang="en-US"/>
+          </a:p>
+        </p:txBody>
+      </p:sp>
+      <p:cxnSp>
+        <p:nvCxnSpPr>
+          <p:cNvPr id="6" name="直接箭头连接符 5"/>
+          <p:cNvCxnSpPr/>
+          <p:nvPr/>
+        </p:nvCxnSpPr>
+        <p:spPr>
+          <a:xfrm>
+            <a:off x="8479155" y="6035675"/>
+            <a:ext cx="320040" cy="281305"/>
+          </a:xfrm>
+          <a:prstGeom prst="straightConnector1">
+            <a:avLst/>
+          </a:prstGeom>
+          <a:ln>
+            <a:tailEnd type="arrow"/>
+          </a:ln>
+        </p:spPr>
+        <p:style>
+          <a:lnRef idx="1">
+            <a:schemeClr val="accent1"/>
+          </a:lnRef>
+          <a:fillRef idx="0">
+            <a:schemeClr val="accent1"/>
+          </a:fillRef>
+          <a:effectRef idx="0">
+            <a:schemeClr val="accent1"/>
+          </a:effectRef>
+          <a:fontRef idx="minor">
+            <a:schemeClr val="tx1"/>
+          </a:fontRef>
+        </p:style>
+      </p:cxnSp>
+      <p:sp>
+        <p:nvSpPr>
+          <p:cNvPr id="9" name="文本框 8"/>
+          <p:cNvSpPr txBox="1"/>
+          <p:nvPr/>
+        </p:nvSpPr>
+        <p:spPr>
+          <a:xfrm>
+            <a:off x="8723630" y="6230620"/>
+            <a:ext cx="491490" cy="365760"/>
+          </a:xfrm>
+          <a:prstGeom prst="rect">
+            <a:avLst/>
+          </a:prstGeom>
+          <a:noFill/>
+        </p:spPr>
+        <p:txBody>
+          <a:bodyPr wrap="none" rtlCol="0">
+            <a:spAutoFit/>
+          </a:bodyPr>
+          <a:p>
+            <a:r>
+              <a:rPr lang="en-US" altLang="zh-CN"/>
+              <a:t>bin</a:t>
+            </a:r>
+            <a:endParaRPr lang="en-US" altLang="zh-CN"/>
+          </a:p>
+        </p:txBody>
+      </p:sp>
     </p:spTree>
-    <p:extLst>
-      <p:ext uri="{BB962C8B-B14F-4D97-AF65-F5344CB8AC3E}">
-        <p14:creationId xmlns:p14="http://schemas.microsoft.com/office/powerpoint/2010/main" val="2203430028"/>
-      </p:ext>
-    </p:extLst>
   </p:cSld>
   <p:clrMapOvr>
     <a:masterClrMapping/>
@@ -7583,13 +7358,7 @@
       </p:grpSpPr>
       <p:sp>
         <p:nvSpPr>
-          <p:cNvPr id="2" name="标题 1">
-            <a:extLst>
-              <a:ext uri="{FF2B5EF4-FFF2-40B4-BE49-F238E27FC236}">
-                <a16:creationId xmlns:a16="http://schemas.microsoft.com/office/drawing/2014/main" id="{A397852D-2A76-4792-AFA3-1998459560EB}"/>
-              </a:ext>
-            </a:extLst>
-          </p:cNvPr>
+          <p:cNvPr id="2" name="标题 1"/>
           <p:cNvSpPr>
             <a:spLocks noGrp="1"/>
           </p:cNvSpPr>
@@ -7612,13 +7381,7 @@
       </p:sp>
       <p:sp>
         <p:nvSpPr>
-          <p:cNvPr id="3" name="内容占位符 2">
-            <a:extLst>
-              <a:ext uri="{FF2B5EF4-FFF2-40B4-BE49-F238E27FC236}">
-                <a16:creationId xmlns:a16="http://schemas.microsoft.com/office/drawing/2014/main" id="{C7A6DD0C-FA19-47B3-95E4-8B9E6E8D3943}"/>
-              </a:ext>
-            </a:extLst>
-          </p:cNvPr>
+          <p:cNvPr id="3" name="内容占位符 2"/>
           <p:cNvSpPr>
             <a:spLocks noGrp="1"/>
           </p:cNvSpPr>
@@ -7646,20 +7409,14 @@
       </p:sp>
       <p:pic>
         <p:nvPicPr>
-          <p:cNvPr id="5" name="图片 4">
-            <a:extLst>
-              <a:ext uri="{FF2B5EF4-FFF2-40B4-BE49-F238E27FC236}">
-                <a16:creationId xmlns:a16="http://schemas.microsoft.com/office/drawing/2014/main" id="{E03D680A-F925-4569-A2C3-D606358B36F9}"/>
-              </a:ext>
-            </a:extLst>
-          </p:cNvPr>
+          <p:cNvPr id="5" name="图片 4"/>
           <p:cNvPicPr>
             <a:picLocks noChangeAspect="1"/>
           </p:cNvPicPr>
           <p:nvPr/>
         </p:nvPicPr>
         <p:blipFill>
-          <a:blip r:embed="rId2"/>
+          <a:blip r:embed="rId1"/>
           <a:stretch>
             <a:fillRect/>
           </a:stretch>
@@ -7675,11 +7432,6 @@
         </p:spPr>
       </p:pic>
     </p:spTree>
-    <p:extLst>
-      <p:ext uri="{BB962C8B-B14F-4D97-AF65-F5344CB8AC3E}">
-        <p14:creationId xmlns:p14="http://schemas.microsoft.com/office/powerpoint/2010/main" val="3815223758"/>
-      </p:ext>
-    </p:extLst>
   </p:cSld>
   <p:clrMapOvr>
     <a:masterClrMapping/>
@@ -7706,13 +7458,7 @@
       </p:grpSpPr>
       <p:sp>
         <p:nvSpPr>
-          <p:cNvPr id="2" name="标题 1">
-            <a:extLst>
-              <a:ext uri="{FF2B5EF4-FFF2-40B4-BE49-F238E27FC236}">
-                <a16:creationId xmlns:a16="http://schemas.microsoft.com/office/drawing/2014/main" id="{AD4048D5-709B-4D0F-8CA7-BD8473B940E3}"/>
-              </a:ext>
-            </a:extLst>
-          </p:cNvPr>
+          <p:cNvPr id="2" name="标题 1"/>
           <p:cNvSpPr>
             <a:spLocks noGrp="1"/>
           </p:cNvSpPr>
@@ -7735,13 +7481,7 @@
       </p:sp>
       <p:sp>
         <p:nvSpPr>
-          <p:cNvPr id="3" name="内容占位符 2">
-            <a:extLst>
-              <a:ext uri="{FF2B5EF4-FFF2-40B4-BE49-F238E27FC236}">
-                <a16:creationId xmlns:a16="http://schemas.microsoft.com/office/drawing/2014/main" id="{DC09E688-CA8C-43F7-BB1C-E380C9391BF1}"/>
-              </a:ext>
-            </a:extLst>
-          </p:cNvPr>
+          <p:cNvPr id="3" name="内容占位符 2"/>
           <p:cNvSpPr>
             <a:spLocks noGrp="1"/>
           </p:cNvSpPr>
@@ -7810,28 +7550,22 @@
       </p:sp>
       <p:pic>
         <p:nvPicPr>
-          <p:cNvPr id="4" name="图片 3">
-            <a:extLst>
-              <a:ext uri="{FF2B5EF4-FFF2-40B4-BE49-F238E27FC236}">
-                <a16:creationId xmlns:a16="http://schemas.microsoft.com/office/drawing/2014/main" id="{2180E73A-44CC-40E1-8F82-775D19732168}"/>
-              </a:ext>
-            </a:extLst>
-          </p:cNvPr>
+          <p:cNvPr id="6" name="图片 5"/>
           <p:cNvPicPr>
             <a:picLocks noChangeAspect="1"/>
           </p:cNvPicPr>
           <p:nvPr/>
         </p:nvPicPr>
         <p:blipFill>
-          <a:blip r:embed="rId2"/>
+          <a:blip r:embed="rId1"/>
           <a:stretch>
             <a:fillRect/>
           </a:stretch>
         </p:blipFill>
         <p:spPr>
           <a:xfrm>
-            <a:off x="2687052" y="3508464"/>
-            <a:ext cx="6488371" cy="992513"/>
+            <a:off x="2037080" y="3403600"/>
+            <a:ext cx="7788275" cy="1196340"/>
           </a:xfrm>
           <a:prstGeom prst="rect">
             <a:avLst/>
@@ -7839,11 +7573,6 @@
         </p:spPr>
       </p:pic>
     </p:spTree>
-    <p:extLst>
-      <p:ext uri="{BB962C8B-B14F-4D97-AF65-F5344CB8AC3E}">
-        <p14:creationId xmlns:p14="http://schemas.microsoft.com/office/powerpoint/2010/main" val="2600660754"/>
-      </p:ext>
-    </p:extLst>
   </p:cSld>
   <p:clrMapOvr>
     <a:masterClrMapping/>
@@ -7870,13 +7599,7 @@
       </p:grpSpPr>
       <p:sp>
         <p:nvSpPr>
-          <p:cNvPr id="2" name="标题 1">
-            <a:extLst>
-              <a:ext uri="{FF2B5EF4-FFF2-40B4-BE49-F238E27FC236}">
-                <a16:creationId xmlns:a16="http://schemas.microsoft.com/office/drawing/2014/main" id="{57A0477A-838C-4606-B4BC-16AA249B0548}"/>
-              </a:ext>
-            </a:extLst>
-          </p:cNvPr>
+          <p:cNvPr id="2" name="标题 1"/>
           <p:cNvSpPr>
             <a:spLocks noGrp="1"/>
           </p:cNvSpPr>
@@ -7899,13 +7622,7 @@
       </p:sp>
       <p:sp>
         <p:nvSpPr>
-          <p:cNvPr id="3" name="内容占位符 2">
-            <a:extLst>
-              <a:ext uri="{FF2B5EF4-FFF2-40B4-BE49-F238E27FC236}">
-                <a16:creationId xmlns:a16="http://schemas.microsoft.com/office/drawing/2014/main" id="{627498EB-28F0-491C-8358-F007247695AB}"/>
-              </a:ext>
-            </a:extLst>
-          </p:cNvPr>
+          <p:cNvPr id="3" name="内容占位符 2"/>
           <p:cNvSpPr>
             <a:spLocks noGrp="1"/>
           </p:cNvSpPr>
@@ -7928,20 +7645,14 @@
       </p:sp>
       <p:pic>
         <p:nvPicPr>
-          <p:cNvPr id="5" name="图片 4">
-            <a:extLst>
-              <a:ext uri="{FF2B5EF4-FFF2-40B4-BE49-F238E27FC236}">
-                <a16:creationId xmlns:a16="http://schemas.microsoft.com/office/drawing/2014/main" id="{68984E9B-67A0-42CD-89C0-638AB169AA66}"/>
-              </a:ext>
-            </a:extLst>
-          </p:cNvPr>
+          <p:cNvPr id="5" name="图片 4"/>
           <p:cNvPicPr>
             <a:picLocks noChangeAspect="1"/>
           </p:cNvPicPr>
           <p:nvPr/>
         </p:nvPicPr>
         <p:blipFill>
-          <a:blip r:embed="rId2"/>
+          <a:blip r:embed="rId1"/>
           <a:stretch>
             <a:fillRect/>
           </a:stretch>
@@ -7957,11 +7668,6 @@
         </p:spPr>
       </p:pic>
     </p:spTree>
-    <p:extLst>
-      <p:ext uri="{BB962C8B-B14F-4D97-AF65-F5344CB8AC3E}">
-        <p14:creationId xmlns:p14="http://schemas.microsoft.com/office/powerpoint/2010/main" val="1514988093"/>
-      </p:ext>
-    </p:extLst>
   </p:cSld>
   <p:clrMapOvr>
     <a:masterClrMapping/>
@@ -7988,13 +7694,7 @@
       </p:grpSpPr>
       <p:sp>
         <p:nvSpPr>
-          <p:cNvPr id="2" name="标题 1">
-            <a:extLst>
-              <a:ext uri="{FF2B5EF4-FFF2-40B4-BE49-F238E27FC236}">
-                <a16:creationId xmlns:a16="http://schemas.microsoft.com/office/drawing/2014/main" id="{93ACD92F-3EC8-42C0-9817-1370EC1552A9}"/>
-              </a:ext>
-            </a:extLst>
-          </p:cNvPr>
+          <p:cNvPr id="2" name="标题 1"/>
           <p:cNvSpPr>
             <a:spLocks noGrp="1"/>
           </p:cNvSpPr>
@@ -8017,13 +7717,7 @@
       </p:sp>
       <p:sp>
         <p:nvSpPr>
-          <p:cNvPr id="3" name="内容占位符 2">
-            <a:extLst>
-              <a:ext uri="{FF2B5EF4-FFF2-40B4-BE49-F238E27FC236}">
-                <a16:creationId xmlns:a16="http://schemas.microsoft.com/office/drawing/2014/main" id="{5B22A941-901A-41E6-8D54-416FDF7BD750}"/>
-              </a:ext>
-            </a:extLst>
-          </p:cNvPr>
+          <p:cNvPr id="3" name="内容占位符 2"/>
           <p:cNvSpPr>
             <a:spLocks noGrp="1"/>
           </p:cNvSpPr>
@@ -8066,6 +7760,13 @@
               </a:rPr>
               <a:t>).</a:t>
             </a:r>
+            <a:endParaRPr lang="en-US" altLang="zh-CN" b="0" i="0" dirty="0">
+              <a:solidFill>
+                <a:srgbClr val="000000"/>
+              </a:solidFill>
+              <a:effectLst/>
+              <a:latin typeface="Helvetica" panose="020B0604020202020204" pitchFamily="34" charset="0"/>
+            </a:endParaRPr>
           </a:p>
           <a:p>
             <a:endParaRPr lang="zh-CN" altLang="en-US" dirty="0"/>
@@ -8074,20 +7775,14 @@
       </p:sp>
       <p:pic>
         <p:nvPicPr>
-          <p:cNvPr id="4" name="图片 3">
-            <a:extLst>
-              <a:ext uri="{FF2B5EF4-FFF2-40B4-BE49-F238E27FC236}">
-                <a16:creationId xmlns:a16="http://schemas.microsoft.com/office/drawing/2014/main" id="{3493A5B6-7EAF-4F1A-A4BF-332AF3A80E6A}"/>
-              </a:ext>
-            </a:extLst>
-          </p:cNvPr>
+          <p:cNvPr id="4" name="图片 3"/>
           <p:cNvPicPr>
             <a:picLocks noChangeAspect="1"/>
           </p:cNvPicPr>
           <p:nvPr/>
         </p:nvPicPr>
         <p:blipFill>
-          <a:blip r:embed="rId2"/>
+          <a:blip r:embed="rId1"/>
           <a:stretch>
             <a:fillRect/>
           </a:stretch>
@@ -8103,11 +7798,6 @@
         </p:spPr>
       </p:pic>
     </p:spTree>
-    <p:extLst>
-      <p:ext uri="{BB962C8B-B14F-4D97-AF65-F5344CB8AC3E}">
-        <p14:creationId xmlns:p14="http://schemas.microsoft.com/office/powerpoint/2010/main" val="3255272562"/>
-      </p:ext>
-    </p:extLst>
   </p:cSld>
   <p:clrMapOvr>
     <a:masterClrMapping/>
@@ -8134,13 +7824,7 @@
       </p:grpSpPr>
       <p:sp>
         <p:nvSpPr>
-          <p:cNvPr id="2" name="标题 1">
-            <a:extLst>
-              <a:ext uri="{FF2B5EF4-FFF2-40B4-BE49-F238E27FC236}">
-                <a16:creationId xmlns:a16="http://schemas.microsoft.com/office/drawing/2014/main" id="{BC403FA7-F2AD-451C-9DF3-DB695E155A16}"/>
-              </a:ext>
-            </a:extLst>
-          </p:cNvPr>
+          <p:cNvPr id="2" name="标题 1"/>
           <p:cNvSpPr>
             <a:spLocks noGrp="1"/>
           </p:cNvSpPr>
@@ -8167,13 +7851,7 @@
       </p:sp>
       <p:sp>
         <p:nvSpPr>
-          <p:cNvPr id="3" name="内容占位符 2">
-            <a:extLst>
-              <a:ext uri="{FF2B5EF4-FFF2-40B4-BE49-F238E27FC236}">
-                <a16:creationId xmlns:a16="http://schemas.microsoft.com/office/drawing/2014/main" id="{4B25AE2D-689A-4D9C-AE4F-3714D369B306}"/>
-              </a:ext>
-            </a:extLst>
-          </p:cNvPr>
+          <p:cNvPr id="3" name="内容占位符 2"/>
           <p:cNvSpPr>
             <a:spLocks noGrp="1"/>
           </p:cNvSpPr>
@@ -8194,18 +7872,13 @@
               <a:rPr lang="en-US" altLang="zh-CN" dirty="0"/>
               <a:t>(a, bins, range, weight, density)</a:t>
             </a:r>
+            <a:endParaRPr lang="en-US" altLang="zh-CN" dirty="0"/>
           </a:p>
         </p:txBody>
       </p:sp>
       <p:cxnSp>
         <p:nvCxnSpPr>
-          <p:cNvPr id="5" name="直接箭头连接符 4">
-            <a:extLst>
-              <a:ext uri="{FF2B5EF4-FFF2-40B4-BE49-F238E27FC236}">
-                <a16:creationId xmlns:a16="http://schemas.microsoft.com/office/drawing/2014/main" id="{0E743080-214A-43CC-B8C7-8E2CD8182AAA}"/>
-              </a:ext>
-            </a:extLst>
-          </p:cNvPr>
+          <p:cNvPr id="5" name="直接箭头连接符 4"/>
           <p:cNvCxnSpPr/>
           <p:nvPr/>
         </p:nvCxnSpPr>
@@ -8238,13 +7911,7 @@
       </p:cxnSp>
       <p:sp>
         <p:nvSpPr>
-          <p:cNvPr id="6" name="文本框 5">
-            <a:extLst>
-              <a:ext uri="{FF2B5EF4-FFF2-40B4-BE49-F238E27FC236}">
-                <a16:creationId xmlns:a16="http://schemas.microsoft.com/office/drawing/2014/main" id="{9BA7172E-D805-449B-A462-1B784B15286F}"/>
-              </a:ext>
-            </a:extLst>
-          </p:cNvPr>
+          <p:cNvPr id="6" name="文本框 5"/>
           <p:cNvSpPr txBox="1"/>
           <p:nvPr/>
         </p:nvSpPr>
@@ -8274,13 +7941,7 @@
       </p:sp>
       <p:cxnSp>
         <p:nvCxnSpPr>
-          <p:cNvPr id="8" name="直接箭头连接符 7">
-            <a:extLst>
-              <a:ext uri="{FF2B5EF4-FFF2-40B4-BE49-F238E27FC236}">
-                <a16:creationId xmlns:a16="http://schemas.microsoft.com/office/drawing/2014/main" id="{9F3C0C3C-F92E-4C72-98CB-C4C579EA267C}"/>
-              </a:ext>
-            </a:extLst>
-          </p:cNvPr>
+          <p:cNvPr id="8" name="直接箭头连接符 7"/>
           <p:cNvCxnSpPr/>
           <p:nvPr/>
         </p:nvCxnSpPr>
@@ -8313,13 +7974,7 @@
       </p:cxnSp>
       <p:sp>
         <p:nvSpPr>
-          <p:cNvPr id="10" name="文本框 9">
-            <a:extLst>
-              <a:ext uri="{FF2B5EF4-FFF2-40B4-BE49-F238E27FC236}">
-                <a16:creationId xmlns:a16="http://schemas.microsoft.com/office/drawing/2014/main" id="{F1B2E09D-A70F-4ACF-8183-38721113309C}"/>
-              </a:ext>
-            </a:extLst>
-          </p:cNvPr>
+          <p:cNvPr id="10" name="文本框 9"/>
           <p:cNvSpPr txBox="1"/>
           <p:nvPr/>
         </p:nvSpPr>
@@ -8349,13 +8004,7 @@
       </p:sp>
       <p:cxnSp>
         <p:nvCxnSpPr>
-          <p:cNvPr id="12" name="直接箭头连接符 11">
-            <a:extLst>
-              <a:ext uri="{FF2B5EF4-FFF2-40B4-BE49-F238E27FC236}">
-                <a16:creationId xmlns:a16="http://schemas.microsoft.com/office/drawing/2014/main" id="{DD09E740-F47E-4CF2-9181-DC461734C708}"/>
-              </a:ext>
-            </a:extLst>
-          </p:cNvPr>
+          <p:cNvPr id="12" name="直接箭头连接符 11"/>
           <p:cNvCxnSpPr/>
           <p:nvPr/>
         </p:nvCxnSpPr>
@@ -8388,13 +8037,7 @@
       </p:cxnSp>
       <p:sp>
         <p:nvSpPr>
-          <p:cNvPr id="13" name="文本框 12">
-            <a:extLst>
-              <a:ext uri="{FF2B5EF4-FFF2-40B4-BE49-F238E27FC236}">
-                <a16:creationId xmlns:a16="http://schemas.microsoft.com/office/drawing/2014/main" id="{D460DB98-4458-4B9F-8C67-23459B080FFE}"/>
-              </a:ext>
-            </a:extLst>
-          </p:cNvPr>
+          <p:cNvPr id="13" name="文本框 12"/>
           <p:cNvSpPr txBox="1"/>
           <p:nvPr/>
         </p:nvSpPr>
@@ -8423,11 +8066,6 @@
         </p:txBody>
       </p:sp>
     </p:spTree>
-    <p:extLst>
-      <p:ext uri="{BB962C8B-B14F-4D97-AF65-F5344CB8AC3E}">
-        <p14:creationId xmlns:p14="http://schemas.microsoft.com/office/powerpoint/2010/main" val="4188714909"/>
-      </p:ext>
-    </p:extLst>
   </p:cSld>
   <p:clrMapOvr>
     <a:masterClrMapping/>
@@ -8686,8 +8324,6 @@
       </a:bgFillStyleLst>
     </a:fmtScheme>
   </a:themeElements>
-  <a:objectDefaults/>
-  <a:extraClrSchemeLst/>
   <a:extLst>
     <a:ext uri="{05A4C25C-085E-4340-85A3-A5531E510DB2}">
       <thm15:themeFamily xmlns:thm15="http://schemas.microsoft.com/office/thememl/2012/main" name="Office Theme" id="{62F939B6-93AF-4DB8-9C6B-D6C7DFDC589F}" vid="{4A3C46E8-61CC-4603-A589-7422A47A8E4A}"/>
